--- a/Extensão-DS/08 - Redes Neurais Recorrentes/Tópico 03 - Aprendizado-Supervisionado  - Redes Neurais Recorrentes (RNN).pptx
+++ b/Extensão-DS/08 - Redes Neurais Recorrentes/Tópico 03 - Aprendizado-Supervisionado  - Redes Neurais Recorrentes (RNN).pptx
@@ -310,7 +310,7 @@
             <a:pPr algn="r">
               <a:buNone/>
             </a:pPr>
-            <a:fld id="{E65F87B2-6FE8-4299-8655-F79CDA25BDD0}" type="slidenum">
+            <a:fld id="{3295C66D-34DE-4A51-8F1E-1179ACB88ABE}" type="slidenum">
               <a:rPr b="0" lang="pt-BR" sz="1400" spc="-1" strike="noStrike">
                 <a:latin typeface="Times New Roman"/>
               </a:rPr>
@@ -358,7 +358,7 @@
         <p:spPr>
           <a:xfrm>
             <a:off x="1376280" y="1336680"/>
-            <a:ext cx="4799880" cy="3599640"/>
+            <a:ext cx="4799520" cy="3599280"/>
           </a:xfrm>
           <a:prstGeom prst="rect">
             <a:avLst/>
@@ -381,7 +381,7 @@
         <p:spPr>
           <a:xfrm>
             <a:off x="756000" y="5145120"/>
-            <a:ext cx="6040080" cy="4202280"/>
+            <a:ext cx="6039720" cy="4201920"/>
           </a:xfrm>
           <a:prstGeom prst="rect">
             <a:avLst/>
@@ -411,7 +411,7 @@
         <p:spPr>
           <a:xfrm>
             <a:off x="0" y="10155240"/>
-            <a:ext cx="3268440" cy="528840"/>
+            <a:ext cx="3268080" cy="528480"/>
           </a:xfrm>
           <a:prstGeom prst="rect">
             <a:avLst/>
@@ -489,7 +489,7 @@
         <p:spPr>
           <a:xfrm>
             <a:off x="1376280" y="1336680"/>
-            <a:ext cx="4799880" cy="3599640"/>
+            <a:ext cx="4799520" cy="3599280"/>
           </a:xfrm>
           <a:prstGeom prst="rect">
             <a:avLst/>
@@ -512,7 +512,7 @@
         <p:spPr>
           <a:xfrm>
             <a:off x="756000" y="5145120"/>
-            <a:ext cx="6040080" cy="4202280"/>
+            <a:ext cx="6039720" cy="4201920"/>
           </a:xfrm>
           <a:prstGeom prst="rect">
             <a:avLst/>
@@ -542,7 +542,7 @@
         <p:spPr>
           <a:xfrm>
             <a:off x="0" y="10155240"/>
-            <a:ext cx="3268440" cy="528840"/>
+            <a:ext cx="3268080" cy="528480"/>
           </a:xfrm>
           <a:prstGeom prst="rect">
             <a:avLst/>
@@ -620,7 +620,7 @@
         <p:spPr>
           <a:xfrm>
             <a:off x="1376280" y="1336680"/>
-            <a:ext cx="4799880" cy="3599640"/>
+            <a:ext cx="4799520" cy="3599280"/>
           </a:xfrm>
           <a:prstGeom prst="rect">
             <a:avLst/>
@@ -643,7 +643,7 @@
         <p:spPr>
           <a:xfrm>
             <a:off x="756000" y="5145120"/>
-            <a:ext cx="6040080" cy="4202280"/>
+            <a:ext cx="6039720" cy="4201920"/>
           </a:xfrm>
           <a:prstGeom prst="rect">
             <a:avLst/>
@@ -673,7 +673,7 @@
         <p:spPr>
           <a:xfrm>
             <a:off x="0" y="10155240"/>
-            <a:ext cx="3268440" cy="528840"/>
+            <a:ext cx="3268080" cy="528480"/>
           </a:xfrm>
           <a:prstGeom prst="rect">
             <a:avLst/>
@@ -751,7 +751,7 @@
         <p:spPr>
           <a:xfrm>
             <a:off x="1376280" y="1336680"/>
-            <a:ext cx="4799880" cy="3599640"/>
+            <a:ext cx="4799520" cy="3599280"/>
           </a:xfrm>
           <a:prstGeom prst="rect">
             <a:avLst/>
@@ -774,7 +774,7 @@
         <p:spPr>
           <a:xfrm>
             <a:off x="756000" y="5145120"/>
-            <a:ext cx="6040080" cy="4202280"/>
+            <a:ext cx="6039720" cy="4201920"/>
           </a:xfrm>
           <a:prstGeom prst="rect">
             <a:avLst/>
@@ -804,7 +804,7 @@
         <p:spPr>
           <a:xfrm>
             <a:off x="0" y="10155240"/>
-            <a:ext cx="3268440" cy="528840"/>
+            <a:ext cx="3268080" cy="528480"/>
           </a:xfrm>
           <a:prstGeom prst="rect">
             <a:avLst/>
@@ -882,7 +882,7 @@
         <p:spPr>
           <a:xfrm>
             <a:off x="1376280" y="1336680"/>
-            <a:ext cx="4799880" cy="3599640"/>
+            <a:ext cx="4799520" cy="3599280"/>
           </a:xfrm>
           <a:prstGeom prst="rect">
             <a:avLst/>
@@ -905,7 +905,7 @@
         <p:spPr>
           <a:xfrm>
             <a:off x="756000" y="5145120"/>
-            <a:ext cx="6040080" cy="4202280"/>
+            <a:ext cx="6039720" cy="4201920"/>
           </a:xfrm>
           <a:prstGeom prst="rect">
             <a:avLst/>
@@ -935,7 +935,7 @@
         <p:spPr>
           <a:xfrm>
             <a:off x="0" y="10155240"/>
-            <a:ext cx="3268440" cy="528840"/>
+            <a:ext cx="3268080" cy="528480"/>
           </a:xfrm>
           <a:prstGeom prst="rect">
             <a:avLst/>
@@ -1013,7 +1013,7 @@
         <p:spPr>
           <a:xfrm>
             <a:off x="1376280" y="1336680"/>
-            <a:ext cx="4799880" cy="3599640"/>
+            <a:ext cx="4799520" cy="3599280"/>
           </a:xfrm>
           <a:prstGeom prst="rect">
             <a:avLst/>
@@ -1036,7 +1036,7 @@
         <p:spPr>
           <a:xfrm>
             <a:off x="756000" y="5145120"/>
-            <a:ext cx="6040080" cy="4202280"/>
+            <a:ext cx="6039720" cy="4201920"/>
           </a:xfrm>
           <a:prstGeom prst="rect">
             <a:avLst/>
@@ -1066,7 +1066,7 @@
         <p:spPr>
           <a:xfrm>
             <a:off x="0" y="10155240"/>
-            <a:ext cx="3268440" cy="528840"/>
+            <a:ext cx="3268080" cy="528480"/>
           </a:xfrm>
           <a:prstGeom prst="rect">
             <a:avLst/>
@@ -1144,7 +1144,7 @@
         <p:spPr>
           <a:xfrm>
             <a:off x="1376280" y="1336680"/>
-            <a:ext cx="4799880" cy="3599640"/>
+            <a:ext cx="4799520" cy="3599280"/>
           </a:xfrm>
           <a:prstGeom prst="rect">
             <a:avLst/>
@@ -1167,7 +1167,7 @@
         <p:spPr>
           <a:xfrm>
             <a:off x="756000" y="5145120"/>
-            <a:ext cx="6040080" cy="4202280"/>
+            <a:ext cx="6039720" cy="4201920"/>
           </a:xfrm>
           <a:prstGeom prst="rect">
             <a:avLst/>
@@ -1197,7 +1197,7 @@
         <p:spPr>
           <a:xfrm>
             <a:off x="0" y="10155240"/>
-            <a:ext cx="3268440" cy="528840"/>
+            <a:ext cx="3268080" cy="528480"/>
           </a:xfrm>
           <a:prstGeom prst="rect">
             <a:avLst/>
@@ -1275,7 +1275,7 @@
         <p:spPr>
           <a:xfrm>
             <a:off x="1376280" y="1336680"/>
-            <a:ext cx="4799880" cy="3599640"/>
+            <a:ext cx="4799520" cy="3599280"/>
           </a:xfrm>
           <a:prstGeom prst="rect">
             <a:avLst/>
@@ -1298,7 +1298,7 @@
         <p:spPr>
           <a:xfrm>
             <a:off x="756000" y="5145120"/>
-            <a:ext cx="6040080" cy="4202280"/>
+            <a:ext cx="6039720" cy="4201920"/>
           </a:xfrm>
           <a:prstGeom prst="rect">
             <a:avLst/>
@@ -1328,7 +1328,7 @@
         <p:spPr>
           <a:xfrm>
             <a:off x="0" y="10155240"/>
-            <a:ext cx="3268440" cy="528840"/>
+            <a:ext cx="3268080" cy="528480"/>
           </a:xfrm>
           <a:prstGeom prst="rect">
             <a:avLst/>
@@ -1406,7 +1406,7 @@
         <p:spPr>
           <a:xfrm>
             <a:off x="1376280" y="1336680"/>
-            <a:ext cx="4799880" cy="3599640"/>
+            <a:ext cx="4799520" cy="3599280"/>
           </a:xfrm>
           <a:prstGeom prst="rect">
             <a:avLst/>
@@ -1429,7 +1429,7 @@
         <p:spPr>
           <a:xfrm>
             <a:off x="756000" y="5145120"/>
-            <a:ext cx="6040080" cy="4202280"/>
+            <a:ext cx="6039720" cy="4201920"/>
           </a:xfrm>
           <a:prstGeom prst="rect">
             <a:avLst/>
@@ -1459,7 +1459,7 @@
         <p:spPr>
           <a:xfrm>
             <a:off x="0" y="10155240"/>
-            <a:ext cx="3268440" cy="528840"/>
+            <a:ext cx="3268080" cy="528480"/>
           </a:xfrm>
           <a:prstGeom prst="rect">
             <a:avLst/>
@@ -1537,7 +1537,7 @@
         <p:spPr>
           <a:xfrm>
             <a:off x="1376280" y="1336680"/>
-            <a:ext cx="4799880" cy="3599640"/>
+            <a:ext cx="4799520" cy="3599280"/>
           </a:xfrm>
           <a:prstGeom prst="rect">
             <a:avLst/>
@@ -1560,7 +1560,7 @@
         <p:spPr>
           <a:xfrm>
             <a:off x="756000" y="5145120"/>
-            <a:ext cx="6040080" cy="4202280"/>
+            <a:ext cx="6039720" cy="4201920"/>
           </a:xfrm>
           <a:prstGeom prst="rect">
             <a:avLst/>
@@ -1590,7 +1590,7 @@
         <p:spPr>
           <a:xfrm>
             <a:off x="0" y="10155240"/>
-            <a:ext cx="3268440" cy="528840"/>
+            <a:ext cx="3268080" cy="528480"/>
           </a:xfrm>
           <a:prstGeom prst="rect">
             <a:avLst/>
@@ -1668,7 +1668,7 @@
         <p:spPr>
           <a:xfrm>
             <a:off x="1376280" y="1336680"/>
-            <a:ext cx="4799880" cy="3599640"/>
+            <a:ext cx="4799520" cy="3599280"/>
           </a:xfrm>
           <a:prstGeom prst="rect">
             <a:avLst/>
@@ -1691,7 +1691,7 @@
         <p:spPr>
           <a:xfrm>
             <a:off x="756000" y="5145120"/>
-            <a:ext cx="6040080" cy="4202280"/>
+            <a:ext cx="6039720" cy="4201920"/>
           </a:xfrm>
           <a:prstGeom prst="rect">
             <a:avLst/>
@@ -1721,7 +1721,7 @@
         <p:spPr>
           <a:xfrm>
             <a:off x="0" y="10155240"/>
-            <a:ext cx="3268440" cy="528840"/>
+            <a:ext cx="3268080" cy="528480"/>
           </a:xfrm>
           <a:prstGeom prst="rect">
             <a:avLst/>
@@ -1799,7 +1799,7 @@
         <p:spPr>
           <a:xfrm>
             <a:off x="1376280" y="1336680"/>
-            <a:ext cx="4799880" cy="3599640"/>
+            <a:ext cx="4799520" cy="3599280"/>
           </a:xfrm>
           <a:prstGeom prst="rect">
             <a:avLst/>
@@ -1822,7 +1822,7 @@
         <p:spPr>
           <a:xfrm>
             <a:off x="756000" y="5145120"/>
-            <a:ext cx="6040080" cy="4202280"/>
+            <a:ext cx="6039720" cy="4201920"/>
           </a:xfrm>
           <a:prstGeom prst="rect">
             <a:avLst/>
@@ -1852,7 +1852,7 @@
         <p:spPr>
           <a:xfrm>
             <a:off x="0" y="10155240"/>
-            <a:ext cx="3268440" cy="528840"/>
+            <a:ext cx="3268080" cy="528480"/>
           </a:xfrm>
           <a:prstGeom prst="rect">
             <a:avLst/>
@@ -1930,7 +1930,7 @@
         <p:spPr>
           <a:xfrm>
             <a:off x="1376280" y="1336680"/>
-            <a:ext cx="4799880" cy="3599640"/>
+            <a:ext cx="4799520" cy="3599280"/>
           </a:xfrm>
           <a:prstGeom prst="rect">
             <a:avLst/>
@@ -1953,7 +1953,7 @@
         <p:spPr>
           <a:xfrm>
             <a:off x="756000" y="5145120"/>
-            <a:ext cx="6040080" cy="4202280"/>
+            <a:ext cx="6039720" cy="4201920"/>
           </a:xfrm>
           <a:prstGeom prst="rect">
             <a:avLst/>
@@ -1983,7 +1983,7 @@
         <p:spPr>
           <a:xfrm>
             <a:off x="0" y="10155240"/>
-            <a:ext cx="3268440" cy="528840"/>
+            <a:ext cx="3268080" cy="528480"/>
           </a:xfrm>
           <a:prstGeom prst="rect">
             <a:avLst/>
@@ -2061,7 +2061,7 @@
         <p:spPr>
           <a:xfrm>
             <a:off x="1376280" y="1336680"/>
-            <a:ext cx="4799880" cy="3599640"/>
+            <a:ext cx="4799520" cy="3599280"/>
           </a:xfrm>
           <a:prstGeom prst="rect">
             <a:avLst/>
@@ -2084,7 +2084,7 @@
         <p:spPr>
           <a:xfrm>
             <a:off x="756000" y="5145120"/>
-            <a:ext cx="6040080" cy="4202280"/>
+            <a:ext cx="6039720" cy="4201920"/>
           </a:xfrm>
           <a:prstGeom prst="rect">
             <a:avLst/>
@@ -2114,7 +2114,7 @@
         <p:spPr>
           <a:xfrm>
             <a:off x="0" y="10155240"/>
-            <a:ext cx="3268440" cy="528840"/>
+            <a:ext cx="3268080" cy="528480"/>
           </a:xfrm>
           <a:prstGeom prst="rect">
             <a:avLst/>
@@ -2192,7 +2192,7 @@
         <p:spPr>
           <a:xfrm>
             <a:off x="1376280" y="1336680"/>
-            <a:ext cx="4799880" cy="3599640"/>
+            <a:ext cx="4799520" cy="3599280"/>
           </a:xfrm>
           <a:prstGeom prst="rect">
             <a:avLst/>
@@ -2215,7 +2215,7 @@
         <p:spPr>
           <a:xfrm>
             <a:off x="756000" y="5145120"/>
-            <a:ext cx="6040080" cy="4202280"/>
+            <a:ext cx="6039720" cy="4201920"/>
           </a:xfrm>
           <a:prstGeom prst="rect">
             <a:avLst/>
@@ -2245,7 +2245,7 @@
         <p:spPr>
           <a:xfrm>
             <a:off x="0" y="10155240"/>
-            <a:ext cx="3268440" cy="528840"/>
+            <a:ext cx="3268080" cy="528480"/>
           </a:xfrm>
           <a:prstGeom prst="rect">
             <a:avLst/>
@@ -2323,7 +2323,7 @@
         <p:spPr>
           <a:xfrm>
             <a:off x="1376280" y="1336680"/>
-            <a:ext cx="4799880" cy="3599640"/>
+            <a:ext cx="4799520" cy="3599280"/>
           </a:xfrm>
           <a:prstGeom prst="rect">
             <a:avLst/>
@@ -2346,7 +2346,7 @@
         <p:spPr>
           <a:xfrm>
             <a:off x="756000" y="5145120"/>
-            <a:ext cx="6040080" cy="4202280"/>
+            <a:ext cx="6039720" cy="4201920"/>
           </a:xfrm>
           <a:prstGeom prst="rect">
             <a:avLst/>
@@ -2376,7 +2376,7 @@
         <p:spPr>
           <a:xfrm>
             <a:off x="0" y="10155240"/>
-            <a:ext cx="3268440" cy="528840"/>
+            <a:ext cx="3268080" cy="528480"/>
           </a:xfrm>
           <a:prstGeom prst="rect">
             <a:avLst/>
@@ -2454,7 +2454,7 @@
         <p:spPr>
           <a:xfrm>
             <a:off x="1376280" y="1336680"/>
-            <a:ext cx="4799880" cy="3599640"/>
+            <a:ext cx="4799520" cy="3599280"/>
           </a:xfrm>
           <a:prstGeom prst="rect">
             <a:avLst/>
@@ -2477,7 +2477,7 @@
         <p:spPr>
           <a:xfrm>
             <a:off x="756000" y="5145120"/>
-            <a:ext cx="6040080" cy="4202280"/>
+            <a:ext cx="6039720" cy="4201920"/>
           </a:xfrm>
           <a:prstGeom prst="rect">
             <a:avLst/>
@@ -2507,7 +2507,7 @@
         <p:spPr>
           <a:xfrm>
             <a:off x="0" y="10155240"/>
-            <a:ext cx="3268440" cy="528840"/>
+            <a:ext cx="3268080" cy="528480"/>
           </a:xfrm>
           <a:prstGeom prst="rect">
             <a:avLst/>
@@ -7160,7 +7160,7 @@
         <p:spPr>
           <a:xfrm>
             <a:off x="0" y="3150000"/>
-            <a:ext cx="9712440" cy="1252440"/>
+            <a:ext cx="9712080" cy="1252080"/>
           </a:xfrm>
           <a:prstGeom prst="rect">
             <a:avLst/>
@@ -7650,7 +7650,7 @@
         <p:spPr>
           <a:xfrm>
             <a:off x="0" y="180000"/>
-            <a:ext cx="9712440" cy="1252440"/>
+            <a:ext cx="9712080" cy="1252080"/>
           </a:xfrm>
           <a:prstGeom prst="rect">
             <a:avLst/>
@@ -7678,7 +7678,7 @@
         <p:spPr>
           <a:xfrm>
             <a:off x="7560000" y="6840000"/>
-            <a:ext cx="2512440" cy="532440"/>
+            <a:ext cx="2512080" cy="532080"/>
           </a:xfrm>
           <a:prstGeom prst="rect">
             <a:avLst/>
@@ -7706,7 +7706,7 @@
         <p:spPr>
           <a:xfrm>
             <a:off x="900000" y="6840000"/>
-            <a:ext cx="6472440" cy="532440"/>
+            <a:ext cx="6472080" cy="532080"/>
           </a:xfrm>
           <a:prstGeom prst="rect">
             <a:avLst/>
@@ -7734,7 +7734,7 @@
         <p:spPr>
           <a:xfrm>
             <a:off x="180000" y="6840000"/>
-            <a:ext cx="532440" cy="532440"/>
+            <a:ext cx="532080" cy="532080"/>
           </a:xfrm>
           <a:prstGeom prst="rect">
             <a:avLst/>
@@ -8030,7 +8030,7 @@
         <p:spPr>
           <a:xfrm>
             <a:off x="0" y="3150000"/>
-            <a:ext cx="9712440" cy="1252440"/>
+            <a:ext cx="9712080" cy="1252080"/>
           </a:xfrm>
           <a:prstGeom prst="rect">
             <a:avLst/>
@@ -8339,7 +8339,7 @@
         <p:spPr>
           <a:xfrm>
             <a:off x="360000" y="3330000"/>
-            <a:ext cx="9352440" cy="892440"/>
+            <a:ext cx="9352080" cy="892080"/>
           </a:xfrm>
           <a:prstGeom prst="rect">
             <a:avLst/>
@@ -8391,7 +8391,7 @@
         <p:spPr>
           <a:xfrm>
             <a:off x="540000" y="4680000"/>
-            <a:ext cx="9172440" cy="2512440"/>
+            <a:ext cx="9172080" cy="2512080"/>
           </a:xfrm>
           <a:prstGeom prst="rect">
             <a:avLst/>
@@ -8596,7 +8596,7 @@
         <p:spPr>
           <a:xfrm>
             <a:off x="360000" y="360000"/>
-            <a:ext cx="9352440" cy="892440"/>
+            <a:ext cx="9352080" cy="892080"/>
           </a:xfrm>
           <a:prstGeom prst="rect">
             <a:avLst/>
@@ -8648,7 +8648,7 @@
         <p:spPr>
           <a:xfrm>
             <a:off x="360000" y="1620000"/>
-            <a:ext cx="9306720" cy="4672440"/>
+            <a:ext cx="9306360" cy="4672080"/>
           </a:xfrm>
           <a:prstGeom prst="rect">
             <a:avLst/>
@@ -8721,7 +8721,7 @@
         <p:spPr>
           <a:xfrm>
             <a:off x="7608600" y="6886080"/>
-            <a:ext cx="2277720" cy="357480"/>
+            <a:ext cx="2277360" cy="357120"/>
           </a:xfrm>
           <a:prstGeom prst="rect">
             <a:avLst/>
@@ -8784,7 +8784,7 @@
         <p:spPr>
           <a:xfrm>
             <a:off x="897120" y="6886080"/>
-            <a:ext cx="6439680" cy="357480"/>
+            <a:ext cx="6439320" cy="357120"/>
           </a:xfrm>
           <a:prstGeom prst="rect">
             <a:avLst/>
@@ -8836,7 +8836,7 @@
         <p:spPr>
           <a:xfrm>
             <a:off x="360000" y="1764000"/>
-            <a:ext cx="9306720" cy="4672440"/>
+            <a:ext cx="9306360" cy="4672080"/>
           </a:xfrm>
           <a:prstGeom prst="rect">
             <a:avLst/>
@@ -8997,7 +8997,7 @@
         <p:spPr>
           <a:xfrm>
             <a:off x="2087280" y="2201760"/>
-            <a:ext cx="6191640" cy="1937160"/>
+            <a:ext cx="6191280" cy="1936800"/>
           </a:xfrm>
           <a:prstGeom prst="rect">
             <a:avLst/>
@@ -9020,7 +9020,7 @@
         <p:spPr>
           <a:xfrm>
             <a:off x="6617880" y="1047960"/>
-            <a:ext cx="3059280" cy="931680"/>
+            <a:ext cx="3058920" cy="931320"/>
           </a:xfrm>
           <a:prstGeom prst="rect">
             <a:avLst/>
@@ -9044,7 +9044,7 @@
         <p:spPr>
           <a:xfrm>
             <a:off x="3060000" y="4349520"/>
-            <a:ext cx="4648320" cy="2071080"/>
+            <a:ext cx="4647960" cy="2070720"/>
           </a:xfrm>
           <a:prstGeom prst="rect">
             <a:avLst/>
@@ -9063,7 +9063,7 @@
         <p:spPr>
           <a:xfrm>
             <a:off x="3069720" y="4335480"/>
-            <a:ext cx="401760" cy="2076480"/>
+            <a:ext cx="401400" cy="2076120"/>
           </a:xfrm>
           <a:prstGeom prst="rect">
             <a:avLst/>
@@ -9205,7 +9205,7 @@
         <p:spPr>
           <a:xfrm>
             <a:off x="3495600" y="4335480"/>
-            <a:ext cx="401760" cy="2076480"/>
+            <a:ext cx="401400" cy="2076120"/>
           </a:xfrm>
           <a:prstGeom prst="rect">
             <a:avLst/>
@@ -9305,7 +9305,7 @@
         <p:spPr>
           <a:xfrm>
             <a:off x="3920760" y="4335480"/>
-            <a:ext cx="401400" cy="2076480"/>
+            <a:ext cx="401040" cy="2076120"/>
           </a:xfrm>
           <a:prstGeom prst="rect">
             <a:avLst/>
@@ -9405,7 +9405,7 @@
         <p:spPr>
           <a:xfrm>
             <a:off x="4346640" y="4335480"/>
-            <a:ext cx="401760" cy="2076480"/>
+            <a:ext cx="401400" cy="2076120"/>
           </a:xfrm>
           <a:prstGeom prst="rect">
             <a:avLst/>
@@ -9505,7 +9505,7 @@
         <p:spPr>
           <a:xfrm>
             <a:off x="4772160" y="4335480"/>
-            <a:ext cx="401760" cy="2076480"/>
+            <a:ext cx="401400" cy="2076120"/>
           </a:xfrm>
           <a:prstGeom prst="rect">
             <a:avLst/>
@@ -9563,7 +9563,7 @@
         <p:spPr>
           <a:xfrm>
             <a:off x="5201640" y="4344120"/>
-            <a:ext cx="401760" cy="2076480"/>
+            <a:ext cx="401400" cy="2076120"/>
           </a:xfrm>
           <a:prstGeom prst="rect">
             <a:avLst/>
@@ -9705,7 +9705,7 @@
         <p:spPr>
           <a:xfrm>
             <a:off x="5627160" y="4344120"/>
-            <a:ext cx="401760" cy="2076480"/>
+            <a:ext cx="401400" cy="2076120"/>
           </a:xfrm>
           <a:prstGeom prst="rect">
             <a:avLst/>
@@ -9847,7 +9847,7 @@
         <p:spPr>
           <a:xfrm>
             <a:off x="6029280" y="4359960"/>
-            <a:ext cx="401760" cy="2076480"/>
+            <a:ext cx="401400" cy="2076120"/>
           </a:xfrm>
           <a:prstGeom prst="rect">
             <a:avLst/>
@@ -9947,7 +9947,7 @@
         <p:spPr>
           <a:xfrm>
             <a:off x="6455160" y="4359960"/>
-            <a:ext cx="401760" cy="2076480"/>
+            <a:ext cx="401400" cy="2076120"/>
           </a:xfrm>
           <a:prstGeom prst="rect">
             <a:avLst/>
@@ -10005,7 +10005,7 @@
         <p:spPr>
           <a:xfrm>
             <a:off x="6880680" y="4359960"/>
-            <a:ext cx="401760" cy="2076480"/>
+            <a:ext cx="401400" cy="2076120"/>
           </a:xfrm>
           <a:prstGeom prst="rect">
             <a:avLst/>
@@ -10063,7 +10063,7 @@
         <p:spPr>
           <a:xfrm>
             <a:off x="7306560" y="4359960"/>
-            <a:ext cx="401760" cy="2076480"/>
+            <a:ext cx="401400" cy="2076120"/>
           </a:xfrm>
           <a:prstGeom prst="rect">
             <a:avLst/>
@@ -10151,7 +10151,7 @@
         <p:spPr>
           <a:xfrm>
             <a:off x="360000" y="360000"/>
-            <a:ext cx="9352440" cy="892440"/>
+            <a:ext cx="9352080" cy="892080"/>
           </a:xfrm>
           <a:prstGeom prst="rect">
             <a:avLst/>
@@ -10203,7 +10203,7 @@
         <p:spPr>
           <a:xfrm>
             <a:off x="360000" y="1620000"/>
-            <a:ext cx="9306720" cy="4672440"/>
+            <a:ext cx="9306360" cy="4672080"/>
           </a:xfrm>
           <a:prstGeom prst="rect">
             <a:avLst/>
@@ -10276,7 +10276,7 @@
         <p:spPr>
           <a:xfrm>
             <a:off x="7608600" y="6886080"/>
-            <a:ext cx="2277720" cy="357480"/>
+            <a:ext cx="2277360" cy="357120"/>
           </a:xfrm>
           <a:prstGeom prst="rect">
             <a:avLst/>
@@ -10339,7 +10339,7 @@
         <p:spPr>
           <a:xfrm>
             <a:off x="897120" y="6886080"/>
-            <a:ext cx="6439680" cy="357480"/>
+            <a:ext cx="6439320" cy="357120"/>
           </a:xfrm>
           <a:prstGeom prst="rect">
             <a:avLst/>
@@ -10391,7 +10391,7 @@
         <p:spPr>
           <a:xfrm>
             <a:off x="360000" y="1764000"/>
-            <a:ext cx="9306720" cy="4672440"/>
+            <a:ext cx="9306360" cy="4672080"/>
           </a:xfrm>
           <a:prstGeom prst="rect">
             <a:avLst/>
@@ -10712,7 +10712,7 @@
         <p:spPr>
           <a:xfrm>
             <a:off x="2134440" y="2922480"/>
-            <a:ext cx="5784480" cy="3556440"/>
+            <a:ext cx="5784120" cy="3556080"/>
           </a:xfrm>
           <a:prstGeom prst="rect">
             <a:avLst/>
@@ -10735,7 +10735,7 @@
         <p:spPr>
           <a:xfrm>
             <a:off x="6617520" y="1047600"/>
-            <a:ext cx="3059280" cy="931680"/>
+            <a:ext cx="3058920" cy="931320"/>
           </a:xfrm>
           <a:prstGeom prst="rect">
             <a:avLst/>
@@ -10784,7 +10784,7 @@
         <p:spPr>
           <a:xfrm>
             <a:off x="360000" y="360000"/>
-            <a:ext cx="9352440" cy="892440"/>
+            <a:ext cx="9352080" cy="892080"/>
           </a:xfrm>
           <a:prstGeom prst="rect">
             <a:avLst/>
@@ -10836,7 +10836,7 @@
         <p:spPr>
           <a:xfrm>
             <a:off x="360000" y="1620000"/>
-            <a:ext cx="9306720" cy="4672440"/>
+            <a:ext cx="9306360" cy="4672080"/>
           </a:xfrm>
           <a:prstGeom prst="rect">
             <a:avLst/>
@@ -10909,7 +10909,7 @@
         <p:spPr>
           <a:xfrm>
             <a:off x="7608600" y="6886080"/>
-            <a:ext cx="2277720" cy="357480"/>
+            <a:ext cx="2277360" cy="357120"/>
           </a:xfrm>
           <a:prstGeom prst="rect">
             <a:avLst/>
@@ -10972,7 +10972,7 @@
         <p:spPr>
           <a:xfrm>
             <a:off x="897120" y="6886080"/>
-            <a:ext cx="6439680" cy="357480"/>
+            <a:ext cx="6439320" cy="357120"/>
           </a:xfrm>
           <a:prstGeom prst="rect">
             <a:avLst/>
@@ -11024,7 +11024,7 @@
         <p:spPr>
           <a:xfrm>
             <a:off x="360000" y="1764000"/>
-            <a:ext cx="9306720" cy="4672440"/>
+            <a:ext cx="9306360" cy="4672080"/>
           </a:xfrm>
           <a:prstGeom prst="rect">
             <a:avLst/>
@@ -11415,7 +11415,7 @@
         <p:spPr>
           <a:xfrm>
             <a:off x="720000" y="4428000"/>
-            <a:ext cx="5758560" cy="2368440"/>
+            <a:ext cx="5758200" cy="2368080"/>
           </a:xfrm>
           <a:prstGeom prst="rect">
             <a:avLst/>
@@ -11438,7 +11438,7 @@
         <p:spPr>
           <a:xfrm>
             <a:off x="6617520" y="1047600"/>
-            <a:ext cx="3059280" cy="931680"/>
+            <a:ext cx="3058920" cy="931320"/>
           </a:xfrm>
           <a:prstGeom prst="rect">
             <a:avLst/>
@@ -11461,7 +11461,7 @@
         <p:spPr>
           <a:xfrm>
             <a:off x="7200000" y="4813560"/>
-            <a:ext cx="2044440" cy="1622880"/>
+            <a:ext cx="2044080" cy="1622520"/>
           </a:xfrm>
           <a:prstGeom prst="rect">
             <a:avLst/>
@@ -11485,7 +11485,7 @@
         <p:spPr>
           <a:xfrm>
             <a:off x="3240000" y="2602800"/>
-            <a:ext cx="3958920" cy="1896120"/>
+            <a:ext cx="3958560" cy="1895760"/>
           </a:xfrm>
           <a:prstGeom prst="rect">
             <a:avLst/>
@@ -11534,7 +11534,7 @@
         <p:spPr>
           <a:xfrm>
             <a:off x="360000" y="360000"/>
-            <a:ext cx="9352440" cy="892440"/>
+            <a:ext cx="9352080" cy="892080"/>
           </a:xfrm>
           <a:prstGeom prst="rect">
             <a:avLst/>
@@ -11586,7 +11586,7 @@
         <p:spPr>
           <a:xfrm>
             <a:off x="360000" y="1620000"/>
-            <a:ext cx="9306720" cy="4672440"/>
+            <a:ext cx="9306360" cy="4672080"/>
           </a:xfrm>
           <a:prstGeom prst="rect">
             <a:avLst/>
@@ -11659,7 +11659,7 @@
         <p:spPr>
           <a:xfrm>
             <a:off x="7608600" y="6886080"/>
-            <a:ext cx="2277720" cy="357480"/>
+            <a:ext cx="2277360" cy="357120"/>
           </a:xfrm>
           <a:prstGeom prst="rect">
             <a:avLst/>
@@ -11722,7 +11722,7 @@
         <p:spPr>
           <a:xfrm>
             <a:off x="897120" y="6886080"/>
-            <a:ext cx="6439680" cy="357480"/>
+            <a:ext cx="6439320" cy="357120"/>
           </a:xfrm>
           <a:prstGeom prst="rect">
             <a:avLst/>
@@ -11774,7 +11774,7 @@
         <p:spPr>
           <a:xfrm>
             <a:off x="360000" y="1764000"/>
-            <a:ext cx="9306720" cy="4672440"/>
+            <a:ext cx="9306360" cy="4672080"/>
           </a:xfrm>
           <a:prstGeom prst="rect">
             <a:avLst/>
@@ -12193,7 +12193,7 @@
         <p:spPr>
           <a:xfrm>
             <a:off x="6617160" y="1047240"/>
-            <a:ext cx="3059280" cy="931680"/>
+            <a:ext cx="3058920" cy="931320"/>
           </a:xfrm>
           <a:prstGeom prst="rect">
             <a:avLst/>
@@ -12217,7 +12217,7 @@
         <p:spPr>
           <a:xfrm>
             <a:off x="360000" y="3060000"/>
-            <a:ext cx="5254920" cy="1798920"/>
+            <a:ext cx="5254560" cy="1798560"/>
           </a:xfrm>
           <a:prstGeom prst="rect">
             <a:avLst/>
@@ -12240,7 +12240,7 @@
         <p:spPr>
           <a:xfrm>
             <a:off x="5603400" y="4500000"/>
-            <a:ext cx="3935520" cy="2164680"/>
+            <a:ext cx="3935160" cy="2164320"/>
           </a:xfrm>
           <a:prstGeom prst="rect">
             <a:avLst/>
@@ -12289,7 +12289,7 @@
         <p:spPr>
           <a:xfrm>
             <a:off x="360000" y="360000"/>
-            <a:ext cx="9352440" cy="892440"/>
+            <a:ext cx="9352080" cy="892080"/>
           </a:xfrm>
           <a:prstGeom prst="rect">
             <a:avLst/>
@@ -12341,7 +12341,7 @@
         <p:spPr>
           <a:xfrm>
             <a:off x="360000" y="1620000"/>
-            <a:ext cx="9306720" cy="4672440"/>
+            <a:ext cx="9306360" cy="4672080"/>
           </a:xfrm>
           <a:prstGeom prst="rect">
             <a:avLst/>
@@ -12414,7 +12414,7 @@
         <p:spPr>
           <a:xfrm>
             <a:off x="7608600" y="6886080"/>
-            <a:ext cx="2277720" cy="357480"/>
+            <a:ext cx="2277360" cy="357120"/>
           </a:xfrm>
           <a:prstGeom prst="rect">
             <a:avLst/>
@@ -12477,7 +12477,7 @@
         <p:spPr>
           <a:xfrm>
             <a:off x="897120" y="6886080"/>
-            <a:ext cx="6439680" cy="357480"/>
+            <a:ext cx="6439320" cy="357120"/>
           </a:xfrm>
           <a:prstGeom prst="rect">
             <a:avLst/>
@@ -12529,7 +12529,7 @@
         <p:spPr>
           <a:xfrm>
             <a:off x="360000" y="1764000"/>
-            <a:ext cx="9306720" cy="4672440"/>
+            <a:ext cx="9306360" cy="4672080"/>
           </a:xfrm>
           <a:prstGeom prst="rect">
             <a:avLst/>
@@ -12891,7 +12891,7 @@
         <p:spPr>
           <a:xfrm>
             <a:off x="6617160" y="1047240"/>
-            <a:ext cx="3059280" cy="931680"/>
+            <a:ext cx="3058920" cy="931320"/>
           </a:xfrm>
           <a:prstGeom prst="rect">
             <a:avLst/>
@@ -12915,7 +12915,7 @@
         <p:spPr>
           <a:xfrm>
             <a:off x="648360" y="3309120"/>
-            <a:ext cx="4318560" cy="1729800"/>
+            <a:ext cx="4318200" cy="1729440"/>
           </a:xfrm>
           <a:prstGeom prst="rect">
             <a:avLst/>
@@ -12938,7 +12938,7 @@
         <p:spPr>
           <a:xfrm>
             <a:off x="5400000" y="3240000"/>
-            <a:ext cx="3598920" cy="1984680"/>
+            <a:ext cx="3598560" cy="1984320"/>
           </a:xfrm>
           <a:prstGeom prst="rect">
             <a:avLst/>
@@ -12992,7 +12992,7 @@
         <p:spPr>
           <a:xfrm>
             <a:off x="1980000" y="3911040"/>
-            <a:ext cx="6750360" cy="2747880"/>
+            <a:ext cx="6750000" cy="2747520"/>
           </a:xfrm>
           <a:prstGeom prst="rect">
             <a:avLst/>
@@ -13011,7 +13011,7 @@
         <p:spPr>
           <a:xfrm>
             <a:off x="360000" y="360000"/>
-            <a:ext cx="9352440" cy="892440"/>
+            <a:ext cx="9352080" cy="892080"/>
           </a:xfrm>
           <a:prstGeom prst="rect">
             <a:avLst/>
@@ -13063,7 +13063,7 @@
         <p:spPr>
           <a:xfrm>
             <a:off x="360000" y="1620000"/>
-            <a:ext cx="9306720" cy="4672440"/>
+            <a:ext cx="9306360" cy="4672080"/>
           </a:xfrm>
           <a:prstGeom prst="rect">
             <a:avLst/>
@@ -13136,7 +13136,7 @@
         <p:spPr>
           <a:xfrm>
             <a:off x="7608600" y="6886080"/>
-            <a:ext cx="2277720" cy="357480"/>
+            <a:ext cx="2277360" cy="357120"/>
           </a:xfrm>
           <a:prstGeom prst="rect">
             <a:avLst/>
@@ -13199,7 +13199,7 @@
         <p:spPr>
           <a:xfrm>
             <a:off x="897120" y="6886080"/>
-            <a:ext cx="6439680" cy="357480"/>
+            <a:ext cx="6439320" cy="357120"/>
           </a:xfrm>
           <a:prstGeom prst="rect">
             <a:avLst/>
@@ -13251,7 +13251,7 @@
         <p:spPr>
           <a:xfrm>
             <a:off x="360000" y="1440000"/>
-            <a:ext cx="9306720" cy="4672440"/>
+            <a:ext cx="9306360" cy="4672080"/>
           </a:xfrm>
           <a:prstGeom prst="rect">
             <a:avLst/>
@@ -13718,7 +13718,7 @@
         <p:spPr>
           <a:xfrm>
             <a:off x="360000" y="360000"/>
-            <a:ext cx="9352440" cy="892440"/>
+            <a:ext cx="9352080" cy="892080"/>
           </a:xfrm>
           <a:prstGeom prst="rect">
             <a:avLst/>
@@ -13770,7 +13770,7 @@
         <p:spPr>
           <a:xfrm>
             <a:off x="360000" y="1620000"/>
-            <a:ext cx="9306720" cy="4672440"/>
+            <a:ext cx="9306360" cy="4672080"/>
           </a:xfrm>
           <a:prstGeom prst="rect">
             <a:avLst/>
@@ -13843,7 +13843,7 @@
         <p:spPr>
           <a:xfrm>
             <a:off x="7608600" y="6886080"/>
-            <a:ext cx="2277720" cy="357480"/>
+            <a:ext cx="2277360" cy="357120"/>
           </a:xfrm>
           <a:prstGeom prst="rect">
             <a:avLst/>
@@ -13906,7 +13906,7 @@
         <p:spPr>
           <a:xfrm>
             <a:off x="897120" y="6886080"/>
-            <a:ext cx="6439680" cy="357480"/>
+            <a:ext cx="6439320" cy="357120"/>
           </a:xfrm>
           <a:prstGeom prst="rect">
             <a:avLst/>
@@ -13958,7 +13958,7 @@
         <p:spPr>
           <a:xfrm>
             <a:off x="360000" y="1440000"/>
-            <a:ext cx="9306720" cy="4672440"/>
+            <a:ext cx="9306360" cy="4672080"/>
           </a:xfrm>
           <a:prstGeom prst="rect">
             <a:avLst/>
@@ -14365,7 +14365,7 @@
         <p:spPr>
           <a:xfrm>
             <a:off x="3240000" y="2052000"/>
-            <a:ext cx="6298920" cy="4739040"/>
+            <a:ext cx="6298560" cy="4738680"/>
           </a:xfrm>
           <a:prstGeom prst="rect">
             <a:avLst/>
@@ -14389,7 +14389,7 @@
         <p:spPr>
           <a:xfrm>
             <a:off x="6660000" y="965520"/>
-            <a:ext cx="3006720" cy="905400"/>
+            <a:ext cx="3006360" cy="905040"/>
           </a:xfrm>
           <a:prstGeom prst="rect">
             <a:avLst/>
@@ -14408,7 +14408,7 @@
         <p:spPr>
           <a:xfrm>
             <a:off x="7545960" y="975960"/>
-            <a:ext cx="1175040" cy="894600"/>
+            <a:ext cx="1174680" cy="894240"/>
           </a:xfrm>
           <a:prstGeom prst="rect">
             <a:avLst/>
@@ -14470,7 +14470,7 @@
         <p:spPr>
           <a:xfrm>
             <a:off x="360000" y="360000"/>
-            <a:ext cx="9352440" cy="892440"/>
+            <a:ext cx="9352080" cy="892080"/>
           </a:xfrm>
           <a:prstGeom prst="rect">
             <a:avLst/>
@@ -14522,7 +14522,7 @@
         <p:spPr>
           <a:xfrm>
             <a:off x="360000" y="1620000"/>
-            <a:ext cx="9306720" cy="4672440"/>
+            <a:ext cx="9306360" cy="4672080"/>
           </a:xfrm>
           <a:prstGeom prst="rect">
             <a:avLst/>
@@ -14595,7 +14595,7 @@
         <p:spPr>
           <a:xfrm>
             <a:off x="7608600" y="6886080"/>
-            <a:ext cx="2277720" cy="357480"/>
+            <a:ext cx="2277360" cy="357120"/>
           </a:xfrm>
           <a:prstGeom prst="rect">
             <a:avLst/>
@@ -14658,7 +14658,7 @@
         <p:spPr>
           <a:xfrm>
             <a:off x="897120" y="6886080"/>
-            <a:ext cx="6439680" cy="357480"/>
+            <a:ext cx="6439320" cy="357120"/>
           </a:xfrm>
           <a:prstGeom prst="rect">
             <a:avLst/>
@@ -14710,7 +14710,7 @@
         <p:spPr>
           <a:xfrm>
             <a:off x="360000" y="1440000"/>
-            <a:ext cx="9306720" cy="4672440"/>
+            <a:ext cx="9306360" cy="4672080"/>
           </a:xfrm>
           <a:prstGeom prst="rect">
             <a:avLst/>
@@ -14800,47 +14800,10 @@
               </a:rPr>
               <a:t>[LINK]</a:t>
             </a:r>
+            <a:br>
+              <a:rPr sz="1800"/>
+            </a:br>
             <a:endParaRPr b="0" lang="pt-BR" sz="1800" spc="-1" strike="noStrike">
-              <a:latin typeface="Arial"/>
-            </a:endParaRPr>
-          </a:p>
-          <a:p>
-            <a:pPr>
-              <a:lnSpc>
-                <a:spcPct val="100000"/>
-              </a:lnSpc>
-              <a:spcAft>
-                <a:spcPts val="1140"/>
-              </a:spcAft>
-              <a:buNone/>
-              <a:tabLst>
-                <a:tab algn="l" pos="206280"/>
-                <a:tab algn="l" pos="663480"/>
-                <a:tab algn="l" pos="1120680"/>
-                <a:tab algn="l" pos="1577880"/>
-                <a:tab algn="l" pos="2035080"/>
-                <a:tab algn="l" pos="2492280"/>
-                <a:tab algn="l" pos="2949480"/>
-                <a:tab algn="l" pos="3406680"/>
-                <a:tab algn="l" pos="3863880"/>
-                <a:tab algn="l" pos="4321080"/>
-                <a:tab algn="l" pos="4778280"/>
-                <a:tab algn="l" pos="5235480"/>
-                <a:tab algn="l" pos="5692680"/>
-                <a:tab algn="l" pos="6149880"/>
-                <a:tab algn="l" pos="6607080"/>
-                <a:tab algn="l" pos="7064280"/>
-                <a:tab algn="l" pos="7521480"/>
-                <a:tab algn="l" pos="7978680"/>
-                <a:tab algn="l" pos="8435880"/>
-                <a:tab algn="l" pos="8893080"/>
-                <a:tab algn="l" pos="9350280"/>
-                <a:tab algn="l" pos="9601200"/>
-                <a:tab algn="l" pos="10058400"/>
-                <a:tab algn="l" pos="10515600"/>
-              </a:tabLst>
-            </a:pPr>
-            <a:endParaRPr b="0" lang="pt-BR" sz="2000" spc="-1" strike="noStrike">
               <a:latin typeface="Arial"/>
             </a:endParaRPr>
           </a:p>
@@ -14885,7 +14848,7 @@
         <p:spPr>
           <a:xfrm>
             <a:off x="360000" y="360000"/>
-            <a:ext cx="9352440" cy="892440"/>
+            <a:ext cx="9352080" cy="892080"/>
           </a:xfrm>
           <a:prstGeom prst="rect">
             <a:avLst/>
@@ -14937,7 +14900,7 @@
         <p:spPr>
           <a:xfrm>
             <a:off x="360000" y="1980000"/>
-            <a:ext cx="9172440" cy="4672440"/>
+            <a:ext cx="9172080" cy="4672080"/>
           </a:xfrm>
           <a:prstGeom prst="rect">
             <a:avLst/>
@@ -15123,7 +15086,7 @@
         <p:spPr>
           <a:xfrm>
             <a:off x="7608600" y="6886080"/>
-            <a:ext cx="2277720" cy="357480"/>
+            <a:ext cx="2277360" cy="357120"/>
           </a:xfrm>
           <a:prstGeom prst="rect">
             <a:avLst/>
@@ -15186,7 +15149,7 @@
         <p:spPr>
           <a:xfrm>
             <a:off x="897120" y="6886080"/>
-            <a:ext cx="6439680" cy="357480"/>
+            <a:ext cx="6439320" cy="357120"/>
           </a:xfrm>
           <a:prstGeom prst="rect">
             <a:avLst/>
@@ -15242,7 +15205,7 @@
         <p:spPr>
           <a:xfrm>
             <a:off x="3272040" y="3780000"/>
-            <a:ext cx="4827960" cy="2351880"/>
+            <a:ext cx="4827600" cy="2351520"/>
           </a:xfrm>
           <a:prstGeom prst="rect">
             <a:avLst/>
@@ -15261,7 +15224,7 @@
         <p:spPr>
           <a:xfrm>
             <a:off x="7740000" y="4320000"/>
-            <a:ext cx="180000" cy="360000"/>
+            <a:ext cx="179640" cy="359640"/>
           </a:xfrm>
           <a:custGeom>
             <a:avLst/>
@@ -15350,7 +15313,7 @@
         <p:spPr>
           <a:xfrm>
             <a:off x="360000" y="360000"/>
-            <a:ext cx="9352440" cy="892440"/>
+            <a:ext cx="9352080" cy="892080"/>
           </a:xfrm>
           <a:prstGeom prst="rect">
             <a:avLst/>
@@ -15402,7 +15365,7 @@
         <p:spPr>
           <a:xfrm>
             <a:off x="360000" y="1620000"/>
-            <a:ext cx="9306720" cy="4672440"/>
+            <a:ext cx="9306360" cy="4672080"/>
           </a:xfrm>
           <a:prstGeom prst="rect">
             <a:avLst/>
@@ -15663,7 +15626,7 @@
         <p:spPr>
           <a:xfrm>
             <a:off x="7608600" y="6886080"/>
-            <a:ext cx="2277720" cy="357480"/>
+            <a:ext cx="2277360" cy="357120"/>
           </a:xfrm>
           <a:prstGeom prst="rect">
             <a:avLst/>
@@ -15726,7 +15689,7 @@
         <p:spPr>
           <a:xfrm>
             <a:off x="897120" y="6886080"/>
-            <a:ext cx="6439680" cy="357480"/>
+            <a:ext cx="6439320" cy="357120"/>
           </a:xfrm>
           <a:prstGeom prst="rect">
             <a:avLst/>
@@ -15782,7 +15745,7 @@
         <p:spPr>
           <a:xfrm>
             <a:off x="1947960" y="3390120"/>
-            <a:ext cx="6330960" cy="2902320"/>
+            <a:ext cx="6330600" cy="2901960"/>
           </a:xfrm>
           <a:prstGeom prst="rect">
             <a:avLst/>
@@ -15831,7 +15794,7 @@
         <p:spPr>
           <a:xfrm>
             <a:off x="360000" y="360000"/>
-            <a:ext cx="9352440" cy="892440"/>
+            <a:ext cx="9352080" cy="892080"/>
           </a:xfrm>
           <a:prstGeom prst="rect">
             <a:avLst/>
@@ -15883,7 +15846,7 @@
         <p:spPr>
           <a:xfrm>
             <a:off x="360000" y="1620000"/>
-            <a:ext cx="9306720" cy="4672440"/>
+            <a:ext cx="9306360" cy="4672080"/>
           </a:xfrm>
           <a:prstGeom prst="rect">
             <a:avLst/>
@@ -15956,7 +15919,7 @@
         <p:spPr>
           <a:xfrm>
             <a:off x="7608600" y="6886080"/>
-            <a:ext cx="2277720" cy="357480"/>
+            <a:ext cx="2277360" cy="357120"/>
           </a:xfrm>
           <a:prstGeom prst="rect">
             <a:avLst/>
@@ -16019,7 +15982,7 @@
         <p:spPr>
           <a:xfrm>
             <a:off x="897120" y="6886080"/>
-            <a:ext cx="6439680" cy="357480"/>
+            <a:ext cx="6439320" cy="357120"/>
           </a:xfrm>
           <a:prstGeom prst="rect">
             <a:avLst/>
@@ -16076,7 +16039,7 @@
         <p:spPr>
           <a:xfrm>
             <a:off x="251280" y="1687320"/>
-            <a:ext cx="4463640" cy="2969280"/>
+            <a:ext cx="4463280" cy="2968920"/>
           </a:xfrm>
           <a:prstGeom prst="rect">
             <a:avLst/>
@@ -16099,7 +16062,7 @@
         <p:spPr>
           <a:xfrm>
             <a:off x="2166480" y="5114520"/>
-            <a:ext cx="6616800" cy="1477080"/>
+            <a:ext cx="6616440" cy="1476720"/>
           </a:xfrm>
           <a:prstGeom prst="rect">
             <a:avLst/>
@@ -16122,7 +16085,7 @@
         <p:spPr>
           <a:xfrm>
             <a:off x="5094000" y="1704600"/>
-            <a:ext cx="4499280" cy="2951640"/>
+            <a:ext cx="4498920" cy="2951280"/>
           </a:xfrm>
           <a:prstGeom prst="rect">
             <a:avLst/>
@@ -16171,7 +16134,7 @@
         <p:spPr>
           <a:xfrm>
             <a:off x="360000" y="360000"/>
-            <a:ext cx="9352440" cy="892440"/>
+            <a:ext cx="9352080" cy="892080"/>
           </a:xfrm>
           <a:prstGeom prst="rect">
             <a:avLst/>
@@ -16223,7 +16186,7 @@
         <p:spPr>
           <a:xfrm>
             <a:off x="360000" y="1620000"/>
-            <a:ext cx="9306720" cy="4672440"/>
+            <a:ext cx="9306360" cy="4672080"/>
           </a:xfrm>
           <a:prstGeom prst="rect">
             <a:avLst/>
@@ -16296,7 +16259,7 @@
         <p:spPr>
           <a:xfrm>
             <a:off x="7608600" y="6886080"/>
-            <a:ext cx="2277720" cy="357480"/>
+            <a:ext cx="2277360" cy="357120"/>
           </a:xfrm>
           <a:prstGeom prst="rect">
             <a:avLst/>
@@ -16359,7 +16322,7 @@
         <p:spPr>
           <a:xfrm>
             <a:off x="897120" y="6886080"/>
-            <a:ext cx="6439680" cy="357480"/>
+            <a:ext cx="6439320" cy="357120"/>
           </a:xfrm>
           <a:prstGeom prst="rect">
             <a:avLst/>
@@ -16416,7 +16379,7 @@
         <p:spPr>
           <a:xfrm>
             <a:off x="2340000" y="1440000"/>
-            <a:ext cx="5758560" cy="5392080"/>
+            <a:ext cx="5758200" cy="5391720"/>
           </a:xfrm>
           <a:prstGeom prst="rect">
             <a:avLst/>
@@ -16470,7 +16433,7 @@
         <p:spPr>
           <a:xfrm>
             <a:off x="5245200" y="1056600"/>
-            <a:ext cx="4328280" cy="3168720"/>
+            <a:ext cx="4327920" cy="3168360"/>
           </a:xfrm>
           <a:prstGeom prst="rect">
             <a:avLst/>
@@ -16489,7 +16452,7 @@
         <p:spPr>
           <a:xfrm>
             <a:off x="360000" y="360000"/>
-            <a:ext cx="9352440" cy="892440"/>
+            <a:ext cx="9352080" cy="892080"/>
           </a:xfrm>
           <a:prstGeom prst="rect">
             <a:avLst/>
@@ -16541,7 +16504,7 @@
         <p:spPr>
           <a:xfrm>
             <a:off x="360000" y="1980000"/>
-            <a:ext cx="4726800" cy="4672440"/>
+            <a:ext cx="4726440" cy="4672080"/>
           </a:xfrm>
           <a:prstGeom prst="rect">
             <a:avLst/>
@@ -16788,7 +16751,7 @@
         <p:spPr>
           <a:xfrm>
             <a:off x="7608600" y="6886080"/>
-            <a:ext cx="2277720" cy="357480"/>
+            <a:ext cx="2277360" cy="357120"/>
           </a:xfrm>
           <a:prstGeom prst="rect">
             <a:avLst/>
@@ -16851,7 +16814,7 @@
         <p:spPr>
           <a:xfrm>
             <a:off x="897120" y="6886080"/>
-            <a:ext cx="6439680" cy="357480"/>
+            <a:ext cx="6439320" cy="357120"/>
           </a:xfrm>
           <a:prstGeom prst="rect">
             <a:avLst/>
@@ -16903,7 +16866,7 @@
         <p:spPr>
           <a:xfrm>
             <a:off x="5287680" y="1141920"/>
-            <a:ext cx="373680" cy="3051360"/>
+            <a:ext cx="373320" cy="3051000"/>
           </a:xfrm>
           <a:prstGeom prst="rect">
             <a:avLst/>
@@ -17045,7 +17008,7 @@
         <p:spPr>
           <a:xfrm>
             <a:off x="5683680" y="1141920"/>
-            <a:ext cx="373680" cy="3051360"/>
+            <a:ext cx="373320" cy="3051000"/>
           </a:xfrm>
           <a:prstGeom prst="rect">
             <a:avLst/>
@@ -17145,7 +17108,7 @@
         <p:spPr>
           <a:xfrm>
             <a:off x="6079680" y="1141920"/>
-            <a:ext cx="373680" cy="3051360"/>
+            <a:ext cx="373320" cy="3051000"/>
           </a:xfrm>
           <a:prstGeom prst="rect">
             <a:avLst/>
@@ -17245,7 +17208,7 @@
         <p:spPr>
           <a:xfrm>
             <a:off x="6475680" y="1141920"/>
-            <a:ext cx="373680" cy="3051360"/>
+            <a:ext cx="373320" cy="3051000"/>
           </a:xfrm>
           <a:prstGeom prst="rect">
             <a:avLst/>
@@ -17345,7 +17308,7 @@
         <p:spPr>
           <a:xfrm>
             <a:off x="6871680" y="1141920"/>
-            <a:ext cx="373680" cy="3051360"/>
+            <a:ext cx="373320" cy="3051000"/>
           </a:xfrm>
           <a:prstGeom prst="rect">
             <a:avLst/>
@@ -17403,7 +17366,7 @@
         <p:spPr>
           <a:xfrm>
             <a:off x="7270920" y="1154880"/>
-            <a:ext cx="373680" cy="3051360"/>
+            <a:ext cx="373320" cy="3051000"/>
           </a:xfrm>
           <a:prstGeom prst="rect">
             <a:avLst/>
@@ -17545,7 +17508,7 @@
         <p:spPr>
           <a:xfrm>
             <a:off x="7666920" y="1154880"/>
-            <a:ext cx="373680" cy="3051360"/>
+            <a:ext cx="373320" cy="3051000"/>
           </a:xfrm>
           <a:prstGeom prst="rect">
             <a:avLst/>
@@ -17687,7 +17650,7 @@
         <p:spPr>
           <a:xfrm>
             <a:off x="8041320" y="1177920"/>
-            <a:ext cx="373680" cy="3051360"/>
+            <a:ext cx="373320" cy="3051000"/>
           </a:xfrm>
           <a:prstGeom prst="rect">
             <a:avLst/>
@@ -17787,7 +17750,7 @@
         <p:spPr>
           <a:xfrm>
             <a:off x="8437320" y="1177920"/>
-            <a:ext cx="373680" cy="3051360"/>
+            <a:ext cx="373320" cy="3051000"/>
           </a:xfrm>
           <a:prstGeom prst="rect">
             <a:avLst/>
@@ -17845,7 +17808,7 @@
         <p:spPr>
           <a:xfrm>
             <a:off x="8833320" y="1177920"/>
-            <a:ext cx="373680" cy="3051360"/>
+            <a:ext cx="373320" cy="3051000"/>
           </a:xfrm>
           <a:prstGeom prst="rect">
             <a:avLst/>
@@ -17903,7 +17866,7 @@
         <p:spPr>
           <a:xfrm>
             <a:off x="9229320" y="1177920"/>
-            <a:ext cx="373680" cy="3051360"/>
+            <a:ext cx="373320" cy="3051000"/>
           </a:xfrm>
           <a:prstGeom prst="rect">
             <a:avLst/>
@@ -17965,7 +17928,7 @@
         <p:spPr>
           <a:xfrm>
             <a:off x="3940560" y="4994640"/>
-            <a:ext cx="5629320" cy="1202760"/>
+            <a:ext cx="5628960" cy="1202400"/>
           </a:xfrm>
           <a:prstGeom prst="rect">
             <a:avLst/>
@@ -18014,7 +17977,7 @@
         <p:spPr>
           <a:xfrm>
             <a:off x="360000" y="3330000"/>
-            <a:ext cx="9352440" cy="892440"/>
+            <a:ext cx="9352080" cy="892080"/>
           </a:xfrm>
           <a:prstGeom prst="rect">
             <a:avLst/>
@@ -18096,7 +18059,7 @@
         <p:spPr>
           <a:xfrm>
             <a:off x="360000" y="360000"/>
-            <a:ext cx="9352440" cy="892440"/>
+            <a:ext cx="9352080" cy="892080"/>
           </a:xfrm>
           <a:prstGeom prst="rect">
             <a:avLst/>
@@ -18148,7 +18111,7 @@
         <p:spPr>
           <a:xfrm>
             <a:off x="360000" y="1620000"/>
-            <a:ext cx="9306720" cy="4672440"/>
+            <a:ext cx="9306360" cy="4672080"/>
           </a:xfrm>
           <a:prstGeom prst="rect">
             <a:avLst/>
@@ -18221,7 +18184,7 @@
         <p:spPr>
           <a:xfrm>
             <a:off x="7608600" y="6886080"/>
-            <a:ext cx="2277720" cy="357480"/>
+            <a:ext cx="2277360" cy="357120"/>
           </a:xfrm>
           <a:prstGeom prst="rect">
             <a:avLst/>
@@ -18284,7 +18247,7 @@
         <p:spPr>
           <a:xfrm>
             <a:off x="897120" y="6886080"/>
-            <a:ext cx="6439680" cy="357480"/>
+            <a:ext cx="6439320" cy="357120"/>
           </a:xfrm>
           <a:prstGeom prst="rect">
             <a:avLst/>
@@ -18336,7 +18299,7 @@
         <p:spPr>
           <a:xfrm>
             <a:off x="360000" y="1764000"/>
-            <a:ext cx="9306720" cy="4672440"/>
+            <a:ext cx="9306360" cy="4672080"/>
           </a:xfrm>
           <a:prstGeom prst="rect">
             <a:avLst/>
@@ -18614,7 +18577,7 @@
         <p:spPr>
           <a:xfrm>
             <a:off x="1200600" y="2509200"/>
-            <a:ext cx="7589520" cy="4260960"/>
+            <a:ext cx="7589160" cy="4260600"/>
           </a:xfrm>
           <a:prstGeom prst="rect">
             <a:avLst/>
@@ -18663,7 +18626,7 @@
         <p:spPr>
           <a:xfrm>
             <a:off x="360000" y="360000"/>
-            <a:ext cx="9352440" cy="892440"/>
+            <a:ext cx="9352080" cy="892080"/>
           </a:xfrm>
           <a:prstGeom prst="rect">
             <a:avLst/>
@@ -18715,7 +18678,7 @@
         <p:spPr>
           <a:xfrm>
             <a:off x="360000" y="1620000"/>
-            <a:ext cx="9306720" cy="4672440"/>
+            <a:ext cx="9306360" cy="4672080"/>
           </a:xfrm>
           <a:prstGeom prst="rect">
             <a:avLst/>
@@ -18788,7 +18751,7 @@
         <p:spPr>
           <a:xfrm>
             <a:off x="7608600" y="6886080"/>
-            <a:ext cx="2277720" cy="357480"/>
+            <a:ext cx="2277360" cy="357120"/>
           </a:xfrm>
           <a:prstGeom prst="rect">
             <a:avLst/>
@@ -18851,7 +18814,7 @@
         <p:spPr>
           <a:xfrm>
             <a:off x="897120" y="6886080"/>
-            <a:ext cx="6439680" cy="357480"/>
+            <a:ext cx="6439320" cy="357120"/>
           </a:xfrm>
           <a:prstGeom prst="rect">
             <a:avLst/>
@@ -18903,7 +18866,7 @@
         <p:spPr>
           <a:xfrm>
             <a:off x="360000" y="1764000"/>
-            <a:ext cx="9306720" cy="4672440"/>
+            <a:ext cx="9306360" cy="4672080"/>
           </a:xfrm>
           <a:prstGeom prst="rect">
             <a:avLst/>
@@ -19352,7 +19315,7 @@
         <p:spPr>
           <a:xfrm>
             <a:off x="2700000" y="4673520"/>
-            <a:ext cx="5314680" cy="1618920"/>
+            <a:ext cx="5314320" cy="1618560"/>
           </a:xfrm>
           <a:prstGeom prst="rect">
             <a:avLst/>

--- a/Extensão-DS/08 - Redes Neurais Recorrentes/Tópico 03 - Aprendizado-Supervisionado  - Redes Neurais Recorrentes (RNN).pptx
+++ b/Extensão-DS/08 - Redes Neurais Recorrentes/Tópico 03 - Aprendizado-Supervisionado  - Redes Neurais Recorrentes (RNN).pptx
@@ -85,7 +85,139 @@
               <a:rPr b="0" lang="pt-BR" sz="4400" spc="-1" strike="noStrike">
                 <a:latin typeface="Arial"/>
               </a:rPr>
-              <a:t>Click to move the slide</a:t>
+              <a:t>C</a:t>
+            </a:r>
+            <a:r>
+              <a:rPr b="0" lang="pt-BR" sz="4400" spc="-1" strike="noStrike">
+                <a:latin typeface="Arial"/>
+              </a:rPr>
+              <a:t>l</a:t>
+            </a:r>
+            <a:r>
+              <a:rPr b="0" lang="pt-BR" sz="4400" spc="-1" strike="noStrike">
+                <a:latin typeface="Arial"/>
+              </a:rPr>
+              <a:t>i</a:t>
+            </a:r>
+            <a:r>
+              <a:rPr b="0" lang="pt-BR" sz="4400" spc="-1" strike="noStrike">
+                <a:latin typeface="Arial"/>
+              </a:rPr>
+              <a:t>c</a:t>
+            </a:r>
+            <a:r>
+              <a:rPr b="0" lang="pt-BR" sz="4400" spc="-1" strike="noStrike">
+                <a:latin typeface="Arial"/>
+              </a:rPr>
+              <a:t>k</a:t>
+            </a:r>
+            <a:r>
+              <a:rPr b="0" lang="pt-BR" sz="4400" spc="-1" strike="noStrike">
+                <a:latin typeface="Arial"/>
+              </a:rPr>
+              <a:t> </a:t>
+            </a:r>
+            <a:r>
+              <a:rPr b="0" lang="pt-BR" sz="4400" spc="-1" strike="noStrike">
+                <a:latin typeface="Arial"/>
+              </a:rPr>
+              <a:t>t</a:t>
+            </a:r>
+            <a:r>
+              <a:rPr b="0" lang="pt-BR" sz="4400" spc="-1" strike="noStrike">
+                <a:latin typeface="Arial"/>
+              </a:rPr>
+              <a:t>o</a:t>
+            </a:r>
+            <a:r>
+              <a:rPr b="0" lang="pt-BR" sz="4400" spc="-1" strike="noStrike">
+                <a:latin typeface="Arial"/>
+              </a:rPr>
+              <a:t> </a:t>
+            </a:r>
+            <a:r>
+              <a:rPr b="0" lang="pt-BR" sz="4400" spc="-1" strike="noStrike">
+                <a:latin typeface="Arial"/>
+              </a:rPr>
+              <a:t>m</a:t>
+            </a:r>
+            <a:r>
+              <a:rPr b="0" lang="pt-BR" sz="4400" spc="-1" strike="noStrike">
+                <a:latin typeface="Arial"/>
+              </a:rPr>
+              <a:t>o</a:t>
+            </a:r>
+            <a:r>
+              <a:rPr b="0" lang="pt-BR" sz="4400" spc="-1" strike="noStrike">
+                <a:latin typeface="Arial"/>
+              </a:rPr>
+              <a:t>v</a:t>
+            </a:r>
+            <a:r>
+              <a:rPr b="0" lang="pt-BR" sz="4400" spc="-1" strike="noStrike">
+                <a:latin typeface="Arial"/>
+              </a:rPr>
+              <a:t>e</a:t>
+            </a:r>
+            <a:r>
+              <a:rPr b="0" lang="pt-BR" sz="4400" spc="-1" strike="noStrike">
+                <a:latin typeface="Arial"/>
+              </a:rPr>
+              <a:t> </a:t>
+            </a:r>
+            <a:r>
+              <a:rPr b="0" lang="pt-BR" sz="4400" spc="-1" strike="noStrike">
+                <a:latin typeface="Arial"/>
+              </a:rPr>
+              <a:t>t</a:t>
+            </a:r>
+            <a:r>
+              <a:rPr b="0" lang="pt-BR" sz="4400" spc="-1" strike="noStrike">
+                <a:latin typeface="Arial"/>
+              </a:rPr>
+              <a:t>h</a:t>
+            </a:r>
+            <a:r>
+              <a:rPr b="0" lang="pt-BR" sz="4400" spc="-1" strike="noStrike">
+                <a:latin typeface="Arial"/>
+              </a:rPr>
+              <a:t>e</a:t>
+            </a:r>
+            <a:r>
+              <a:rPr b="0" lang="pt-BR" sz="4400" spc="-1" strike="noStrike">
+                <a:latin typeface="Arial"/>
+              </a:rPr>
+              <a:t> </a:t>
+            </a:r>
+            <a:r>
+              <a:rPr b="0" lang="pt-BR" sz="4400" spc="-1" strike="noStrike">
+                <a:latin typeface="Arial"/>
+              </a:rPr>
+              <a:t>s</a:t>
+            </a:r>
+            <a:r>
+              <a:rPr b="0" lang="pt-BR" sz="4400" spc="-1" strike="noStrike">
+                <a:latin typeface="Arial"/>
+              </a:rPr>
+              <a:t>l</a:t>
+            </a:r>
+            <a:r>
+              <a:rPr b="0" lang="pt-BR" sz="4400" spc="-1" strike="noStrike">
+                <a:latin typeface="Arial"/>
+              </a:rPr>
+              <a:t>i</a:t>
+            </a:r>
+            <a:r>
+              <a:rPr b="0" lang="pt-BR" sz="4400" spc="-1" strike="noStrike">
+                <a:latin typeface="Arial"/>
+              </a:rPr>
+              <a:t>d</a:t>
+            </a:r>
+            <a:r>
+              <a:rPr b="0" lang="pt-BR" sz="4400" spc="-1" strike="noStrike">
+                <a:latin typeface="Arial"/>
+              </a:rPr>
+              <a:t>e</a:t>
             </a:r>
             <a:endParaRPr b="0" lang="pt-BR" sz="4400" spc="-1" strike="noStrike">
               <a:latin typeface="Arial"/>
@@ -125,7 +257,181 @@
               <a:rPr b="0" lang="pt-BR" sz="2000" spc="-1" strike="noStrike">
                 <a:latin typeface="Arial"/>
               </a:rPr>
-              <a:t>Click to edit the notes format</a:t>
+              <a:t>C</a:t>
+            </a:r>
+            <a:r>
+              <a:rPr b="0" lang="pt-BR" sz="2000" spc="-1" strike="noStrike">
+                <a:latin typeface="Arial"/>
+              </a:rPr>
+              <a:t>l</a:t>
+            </a:r>
+            <a:r>
+              <a:rPr b="0" lang="pt-BR" sz="2000" spc="-1" strike="noStrike">
+                <a:latin typeface="Arial"/>
+              </a:rPr>
+              <a:t>i</a:t>
+            </a:r>
+            <a:r>
+              <a:rPr b="0" lang="pt-BR" sz="2000" spc="-1" strike="noStrike">
+                <a:latin typeface="Arial"/>
+              </a:rPr>
+              <a:t>c</a:t>
+            </a:r>
+            <a:r>
+              <a:rPr b="0" lang="pt-BR" sz="2000" spc="-1" strike="noStrike">
+                <a:latin typeface="Arial"/>
+              </a:rPr>
+              <a:t>k</a:t>
+            </a:r>
+            <a:r>
+              <a:rPr b="0" lang="pt-BR" sz="2000" spc="-1" strike="noStrike">
+                <a:latin typeface="Arial"/>
+              </a:rPr>
+              <a:t> </a:t>
+            </a:r>
+            <a:r>
+              <a:rPr b="0" lang="pt-BR" sz="2000" spc="-1" strike="noStrike">
+                <a:latin typeface="Arial"/>
+              </a:rPr>
+              <a:t>t</a:t>
+            </a:r>
+            <a:r>
+              <a:rPr b="0" lang="pt-BR" sz="2000" spc="-1" strike="noStrike">
+                <a:latin typeface="Arial"/>
+              </a:rPr>
+              <a:t>o</a:t>
+            </a:r>
+            <a:r>
+              <a:rPr b="0" lang="pt-BR" sz="2000" spc="-1" strike="noStrike">
+                <a:latin typeface="Arial"/>
+              </a:rPr>
+              <a:t> </a:t>
+            </a:r>
+            <a:r>
+              <a:rPr b="0" lang="pt-BR" sz="2000" spc="-1" strike="noStrike">
+                <a:latin typeface="Arial"/>
+              </a:rPr>
+              <a:t>e</a:t>
+            </a:r>
+            <a:r>
+              <a:rPr b="0" lang="pt-BR" sz="2000" spc="-1" strike="noStrike">
+                <a:latin typeface="Arial"/>
+              </a:rPr>
+              <a:t>d</a:t>
+            </a:r>
+            <a:r>
+              <a:rPr b="0" lang="pt-BR" sz="2000" spc="-1" strike="noStrike">
+                <a:latin typeface="Arial"/>
+              </a:rPr>
+              <a:t>i</a:t>
+            </a:r>
+            <a:r>
+              <a:rPr b="0" lang="pt-BR" sz="2000" spc="-1" strike="noStrike">
+                <a:latin typeface="Arial"/>
+              </a:rPr>
+              <a:t>t</a:t>
+            </a:r>
+            <a:r>
+              <a:rPr b="0" lang="pt-BR" sz="2000" spc="-1" strike="noStrike">
+                <a:latin typeface="Arial"/>
+              </a:rPr>
+              <a:t> </a:t>
+            </a:r>
+            <a:r>
+              <a:rPr b="0" lang="pt-BR" sz="2000" spc="-1" strike="noStrike">
+                <a:latin typeface="Arial"/>
+              </a:rPr>
+              <a:t>t</a:t>
+            </a:r>
+            <a:r>
+              <a:rPr b="0" lang="pt-BR" sz="2000" spc="-1" strike="noStrike">
+                <a:latin typeface="Arial"/>
+              </a:rPr>
+              <a:t>h</a:t>
+            </a:r>
+            <a:r>
+              <a:rPr b="0" lang="pt-BR" sz="2000" spc="-1" strike="noStrike">
+                <a:latin typeface="Arial"/>
+              </a:rPr>
+              <a:t>e</a:t>
+            </a:r>
+            <a:r>
+              <a:rPr b="0" lang="pt-BR" sz="2000" spc="-1" strike="noStrike">
+                <a:latin typeface="Arial"/>
+              </a:rPr>
+              <a:t> </a:t>
+            </a:r>
+            <a:r>
+              <a:rPr b="0" lang="pt-BR" sz="2000" spc="-1" strike="noStrike">
+                <a:latin typeface="Arial"/>
+              </a:rPr>
+              <a:t>n</a:t>
+            </a:r>
+            <a:r>
+              <a:rPr b="0" lang="pt-BR" sz="2000" spc="-1" strike="noStrike">
+                <a:latin typeface="Arial"/>
+              </a:rPr>
+              <a:t>o</a:t>
+            </a:r>
+            <a:r>
+              <a:rPr b="0" lang="pt-BR" sz="2000" spc="-1" strike="noStrike">
+                <a:latin typeface="Arial"/>
+              </a:rPr>
+              <a:t>t</a:t>
+            </a:r>
+            <a:r>
+              <a:rPr b="0" lang="pt-BR" sz="2000" spc="-1" strike="noStrike">
+                <a:latin typeface="Arial"/>
+              </a:rPr>
+              <a:t>e</a:t>
+            </a:r>
+            <a:r>
+              <a:rPr b="0" lang="pt-BR" sz="2000" spc="-1" strike="noStrike">
+                <a:latin typeface="Arial"/>
+              </a:rPr>
+              <a:t>s</a:t>
+            </a:r>
+            <a:r>
+              <a:rPr b="0" lang="pt-BR" sz="2000" spc="-1" strike="noStrike">
+                <a:latin typeface="Arial"/>
+              </a:rPr>
+              <a:t> </a:t>
+            </a:r>
+            <a:r>
+              <a:rPr b="0" lang="pt-BR" sz="2000" spc="-1" strike="noStrike">
+                <a:latin typeface="Arial"/>
+              </a:rPr>
+              <a:t>f</a:t>
+            </a:r>
+            <a:r>
+              <a:rPr b="0" lang="pt-BR" sz="2000" spc="-1" strike="noStrike">
+                <a:latin typeface="Arial"/>
+              </a:rPr>
+              <a:t>o</a:t>
+            </a:r>
+            <a:r>
+              <a:rPr b="0" lang="pt-BR" sz="2000" spc="-1" strike="noStrike">
+                <a:latin typeface="Arial"/>
+              </a:rPr>
+              <a:t>r</a:t>
+            </a:r>
+            <a:r>
+              <a:rPr b="0" lang="pt-BR" sz="2000" spc="-1" strike="noStrike">
+                <a:latin typeface="Arial"/>
+              </a:rPr>
+              <a:t>m</a:t>
+            </a:r>
+            <a:r>
+              <a:rPr b="0" lang="pt-BR" sz="2000" spc="-1" strike="noStrike">
+                <a:latin typeface="Arial"/>
+              </a:rPr>
+              <a:t>a</a:t>
+            </a:r>
+            <a:r>
+              <a:rPr b="0" lang="pt-BR" sz="2000" spc="-1" strike="noStrike">
+                <a:latin typeface="Arial"/>
+              </a:rPr>
+              <a:t>t</a:t>
             </a:r>
             <a:endParaRPr b="0" lang="pt-BR" sz="2000" spc="-1" strike="noStrike">
               <a:latin typeface="Arial"/>
@@ -310,7 +616,7 @@
             <a:pPr algn="r">
               <a:buNone/>
             </a:pPr>
-            <a:fld id="{3295C66D-34DE-4A51-8F1E-1179ACB88ABE}" type="slidenum">
+            <a:fld id="{1F238D9B-5391-46D5-A488-E87CC7BC2E48}" type="slidenum">
               <a:rPr b="0" lang="pt-BR" sz="1400" spc="-1" strike="noStrike">
                 <a:latin typeface="Times New Roman"/>
               </a:rPr>
@@ -358,7 +664,7 @@
         <p:spPr>
           <a:xfrm>
             <a:off x="1376280" y="1336680"/>
-            <a:ext cx="4799520" cy="3599280"/>
+            <a:ext cx="4798800" cy="3598560"/>
           </a:xfrm>
           <a:prstGeom prst="rect">
             <a:avLst/>
@@ -381,7 +687,7 @@
         <p:spPr>
           <a:xfrm>
             <a:off x="756000" y="5145120"/>
-            <a:ext cx="6039720" cy="4201920"/>
+            <a:ext cx="6039000" cy="4201200"/>
           </a:xfrm>
           <a:prstGeom prst="rect">
             <a:avLst/>
@@ -411,7 +717,7 @@
         <p:spPr>
           <a:xfrm>
             <a:off x="0" y="10155240"/>
-            <a:ext cx="3268080" cy="528480"/>
+            <a:ext cx="3267360" cy="527760"/>
           </a:xfrm>
           <a:prstGeom prst="rect">
             <a:avLst/>
@@ -489,7 +795,7 @@
         <p:spPr>
           <a:xfrm>
             <a:off x="1376280" y="1336680"/>
-            <a:ext cx="4799520" cy="3599280"/>
+            <a:ext cx="4798800" cy="3598560"/>
           </a:xfrm>
           <a:prstGeom prst="rect">
             <a:avLst/>
@@ -512,7 +818,7 @@
         <p:spPr>
           <a:xfrm>
             <a:off x="756000" y="5145120"/>
-            <a:ext cx="6039720" cy="4201920"/>
+            <a:ext cx="6039000" cy="4201200"/>
           </a:xfrm>
           <a:prstGeom prst="rect">
             <a:avLst/>
@@ -542,7 +848,7 @@
         <p:spPr>
           <a:xfrm>
             <a:off x="0" y="10155240"/>
-            <a:ext cx="3268080" cy="528480"/>
+            <a:ext cx="3267360" cy="527760"/>
           </a:xfrm>
           <a:prstGeom prst="rect">
             <a:avLst/>
@@ -620,7 +926,7 @@
         <p:spPr>
           <a:xfrm>
             <a:off x="1376280" y="1336680"/>
-            <a:ext cx="4799520" cy="3599280"/>
+            <a:ext cx="4798800" cy="3598560"/>
           </a:xfrm>
           <a:prstGeom prst="rect">
             <a:avLst/>
@@ -643,7 +949,7 @@
         <p:spPr>
           <a:xfrm>
             <a:off x="756000" y="5145120"/>
-            <a:ext cx="6039720" cy="4201920"/>
+            <a:ext cx="6039000" cy="4201200"/>
           </a:xfrm>
           <a:prstGeom prst="rect">
             <a:avLst/>
@@ -673,7 +979,7 @@
         <p:spPr>
           <a:xfrm>
             <a:off x="0" y="10155240"/>
-            <a:ext cx="3268080" cy="528480"/>
+            <a:ext cx="3267360" cy="527760"/>
           </a:xfrm>
           <a:prstGeom prst="rect">
             <a:avLst/>
@@ -751,7 +1057,7 @@
         <p:spPr>
           <a:xfrm>
             <a:off x="1376280" y="1336680"/>
-            <a:ext cx="4799520" cy="3599280"/>
+            <a:ext cx="4798800" cy="3598560"/>
           </a:xfrm>
           <a:prstGeom prst="rect">
             <a:avLst/>
@@ -774,7 +1080,7 @@
         <p:spPr>
           <a:xfrm>
             <a:off x="756000" y="5145120"/>
-            <a:ext cx="6039720" cy="4201920"/>
+            <a:ext cx="6039000" cy="4201200"/>
           </a:xfrm>
           <a:prstGeom prst="rect">
             <a:avLst/>
@@ -804,7 +1110,7 @@
         <p:spPr>
           <a:xfrm>
             <a:off x="0" y="10155240"/>
-            <a:ext cx="3268080" cy="528480"/>
+            <a:ext cx="3267360" cy="527760"/>
           </a:xfrm>
           <a:prstGeom prst="rect">
             <a:avLst/>
@@ -882,7 +1188,7 @@
         <p:spPr>
           <a:xfrm>
             <a:off x="1376280" y="1336680"/>
-            <a:ext cx="4799520" cy="3599280"/>
+            <a:ext cx="4798800" cy="3598560"/>
           </a:xfrm>
           <a:prstGeom prst="rect">
             <a:avLst/>
@@ -905,7 +1211,7 @@
         <p:spPr>
           <a:xfrm>
             <a:off x="756000" y="5145120"/>
-            <a:ext cx="6039720" cy="4201920"/>
+            <a:ext cx="6039000" cy="4201200"/>
           </a:xfrm>
           <a:prstGeom prst="rect">
             <a:avLst/>
@@ -935,7 +1241,7 @@
         <p:spPr>
           <a:xfrm>
             <a:off x="0" y="10155240"/>
-            <a:ext cx="3268080" cy="528480"/>
+            <a:ext cx="3267360" cy="527760"/>
           </a:xfrm>
           <a:prstGeom prst="rect">
             <a:avLst/>
@@ -1013,7 +1319,7 @@
         <p:spPr>
           <a:xfrm>
             <a:off x="1376280" y="1336680"/>
-            <a:ext cx="4799520" cy="3599280"/>
+            <a:ext cx="4798800" cy="3598560"/>
           </a:xfrm>
           <a:prstGeom prst="rect">
             <a:avLst/>
@@ -1036,7 +1342,7 @@
         <p:spPr>
           <a:xfrm>
             <a:off x="756000" y="5145120"/>
-            <a:ext cx="6039720" cy="4201920"/>
+            <a:ext cx="6039000" cy="4201200"/>
           </a:xfrm>
           <a:prstGeom prst="rect">
             <a:avLst/>
@@ -1066,7 +1372,7 @@
         <p:spPr>
           <a:xfrm>
             <a:off x="0" y="10155240"/>
-            <a:ext cx="3268080" cy="528480"/>
+            <a:ext cx="3267360" cy="527760"/>
           </a:xfrm>
           <a:prstGeom prst="rect">
             <a:avLst/>
@@ -1144,7 +1450,7 @@
         <p:spPr>
           <a:xfrm>
             <a:off x="1376280" y="1336680"/>
-            <a:ext cx="4799520" cy="3599280"/>
+            <a:ext cx="4798800" cy="3598560"/>
           </a:xfrm>
           <a:prstGeom prst="rect">
             <a:avLst/>
@@ -1167,7 +1473,7 @@
         <p:spPr>
           <a:xfrm>
             <a:off x="756000" y="5145120"/>
-            <a:ext cx="6039720" cy="4201920"/>
+            <a:ext cx="6039000" cy="4201200"/>
           </a:xfrm>
           <a:prstGeom prst="rect">
             <a:avLst/>
@@ -1197,7 +1503,7 @@
         <p:spPr>
           <a:xfrm>
             <a:off x="0" y="10155240"/>
-            <a:ext cx="3268080" cy="528480"/>
+            <a:ext cx="3267360" cy="527760"/>
           </a:xfrm>
           <a:prstGeom prst="rect">
             <a:avLst/>
@@ -1275,7 +1581,7 @@
         <p:spPr>
           <a:xfrm>
             <a:off x="1376280" y="1336680"/>
-            <a:ext cx="4799520" cy="3599280"/>
+            <a:ext cx="4798800" cy="3598560"/>
           </a:xfrm>
           <a:prstGeom prst="rect">
             <a:avLst/>
@@ -1298,7 +1604,7 @@
         <p:spPr>
           <a:xfrm>
             <a:off x="756000" y="5145120"/>
-            <a:ext cx="6039720" cy="4201920"/>
+            <a:ext cx="6039000" cy="4201200"/>
           </a:xfrm>
           <a:prstGeom prst="rect">
             <a:avLst/>
@@ -1328,7 +1634,7 @@
         <p:spPr>
           <a:xfrm>
             <a:off x="0" y="10155240"/>
-            <a:ext cx="3268080" cy="528480"/>
+            <a:ext cx="3267360" cy="527760"/>
           </a:xfrm>
           <a:prstGeom prst="rect">
             <a:avLst/>
@@ -1406,7 +1712,7 @@
         <p:spPr>
           <a:xfrm>
             <a:off x="1376280" y="1336680"/>
-            <a:ext cx="4799520" cy="3599280"/>
+            <a:ext cx="4798800" cy="3598560"/>
           </a:xfrm>
           <a:prstGeom prst="rect">
             <a:avLst/>
@@ -1429,7 +1735,7 @@
         <p:spPr>
           <a:xfrm>
             <a:off x="756000" y="5145120"/>
-            <a:ext cx="6039720" cy="4201920"/>
+            <a:ext cx="6039000" cy="4201200"/>
           </a:xfrm>
           <a:prstGeom prst="rect">
             <a:avLst/>
@@ -1459,7 +1765,7 @@
         <p:spPr>
           <a:xfrm>
             <a:off x="0" y="10155240"/>
-            <a:ext cx="3268080" cy="528480"/>
+            <a:ext cx="3267360" cy="527760"/>
           </a:xfrm>
           <a:prstGeom prst="rect">
             <a:avLst/>
@@ -1537,7 +1843,7 @@
         <p:spPr>
           <a:xfrm>
             <a:off x="1376280" y="1336680"/>
-            <a:ext cx="4799520" cy="3599280"/>
+            <a:ext cx="4798800" cy="3598560"/>
           </a:xfrm>
           <a:prstGeom prst="rect">
             <a:avLst/>
@@ -1560,7 +1866,7 @@
         <p:spPr>
           <a:xfrm>
             <a:off x="756000" y="5145120"/>
-            <a:ext cx="6039720" cy="4201920"/>
+            <a:ext cx="6039000" cy="4201200"/>
           </a:xfrm>
           <a:prstGeom prst="rect">
             <a:avLst/>
@@ -1590,7 +1896,7 @@
         <p:spPr>
           <a:xfrm>
             <a:off x="0" y="10155240"/>
-            <a:ext cx="3268080" cy="528480"/>
+            <a:ext cx="3267360" cy="527760"/>
           </a:xfrm>
           <a:prstGeom prst="rect">
             <a:avLst/>
@@ -1668,7 +1974,7 @@
         <p:spPr>
           <a:xfrm>
             <a:off x="1376280" y="1336680"/>
-            <a:ext cx="4799520" cy="3599280"/>
+            <a:ext cx="4798800" cy="3598560"/>
           </a:xfrm>
           <a:prstGeom prst="rect">
             <a:avLst/>
@@ -1691,7 +1997,7 @@
         <p:spPr>
           <a:xfrm>
             <a:off x="756000" y="5145120"/>
-            <a:ext cx="6039720" cy="4201920"/>
+            <a:ext cx="6039000" cy="4201200"/>
           </a:xfrm>
           <a:prstGeom prst="rect">
             <a:avLst/>
@@ -1721,7 +2027,7 @@
         <p:spPr>
           <a:xfrm>
             <a:off x="0" y="10155240"/>
-            <a:ext cx="3268080" cy="528480"/>
+            <a:ext cx="3267360" cy="527760"/>
           </a:xfrm>
           <a:prstGeom prst="rect">
             <a:avLst/>
@@ -1799,7 +2105,7 @@
         <p:spPr>
           <a:xfrm>
             <a:off x="1376280" y="1336680"/>
-            <a:ext cx="4799520" cy="3599280"/>
+            <a:ext cx="4798800" cy="3598560"/>
           </a:xfrm>
           <a:prstGeom prst="rect">
             <a:avLst/>
@@ -1822,7 +2128,7 @@
         <p:spPr>
           <a:xfrm>
             <a:off x="756000" y="5145120"/>
-            <a:ext cx="6039720" cy="4201920"/>
+            <a:ext cx="6039000" cy="4201200"/>
           </a:xfrm>
           <a:prstGeom prst="rect">
             <a:avLst/>
@@ -1852,7 +2158,7 @@
         <p:spPr>
           <a:xfrm>
             <a:off x="0" y="10155240"/>
-            <a:ext cx="3268080" cy="528480"/>
+            <a:ext cx="3267360" cy="527760"/>
           </a:xfrm>
           <a:prstGeom prst="rect">
             <a:avLst/>
@@ -1930,7 +2236,7 @@
         <p:spPr>
           <a:xfrm>
             <a:off x="1376280" y="1336680"/>
-            <a:ext cx="4799520" cy="3599280"/>
+            <a:ext cx="4798800" cy="3598560"/>
           </a:xfrm>
           <a:prstGeom prst="rect">
             <a:avLst/>
@@ -1953,7 +2259,7 @@
         <p:spPr>
           <a:xfrm>
             <a:off x="756000" y="5145120"/>
-            <a:ext cx="6039720" cy="4201920"/>
+            <a:ext cx="6039000" cy="4201200"/>
           </a:xfrm>
           <a:prstGeom prst="rect">
             <a:avLst/>
@@ -1983,7 +2289,7 @@
         <p:spPr>
           <a:xfrm>
             <a:off x="0" y="10155240"/>
-            <a:ext cx="3268080" cy="528480"/>
+            <a:ext cx="3267360" cy="527760"/>
           </a:xfrm>
           <a:prstGeom prst="rect">
             <a:avLst/>
@@ -2061,7 +2367,7 @@
         <p:spPr>
           <a:xfrm>
             <a:off x="1376280" y="1336680"/>
-            <a:ext cx="4799520" cy="3599280"/>
+            <a:ext cx="4798800" cy="3598560"/>
           </a:xfrm>
           <a:prstGeom prst="rect">
             <a:avLst/>
@@ -2084,7 +2390,7 @@
         <p:spPr>
           <a:xfrm>
             <a:off x="756000" y="5145120"/>
-            <a:ext cx="6039720" cy="4201920"/>
+            <a:ext cx="6039000" cy="4201200"/>
           </a:xfrm>
           <a:prstGeom prst="rect">
             <a:avLst/>
@@ -2114,7 +2420,7 @@
         <p:spPr>
           <a:xfrm>
             <a:off x="0" y="10155240"/>
-            <a:ext cx="3268080" cy="528480"/>
+            <a:ext cx="3267360" cy="527760"/>
           </a:xfrm>
           <a:prstGeom prst="rect">
             <a:avLst/>
@@ -2192,7 +2498,7 @@
         <p:spPr>
           <a:xfrm>
             <a:off x="1376280" y="1336680"/>
-            <a:ext cx="4799520" cy="3599280"/>
+            <a:ext cx="4798800" cy="3598560"/>
           </a:xfrm>
           <a:prstGeom prst="rect">
             <a:avLst/>
@@ -2215,7 +2521,7 @@
         <p:spPr>
           <a:xfrm>
             <a:off x="756000" y="5145120"/>
-            <a:ext cx="6039720" cy="4201920"/>
+            <a:ext cx="6039000" cy="4201200"/>
           </a:xfrm>
           <a:prstGeom prst="rect">
             <a:avLst/>
@@ -2245,7 +2551,7 @@
         <p:spPr>
           <a:xfrm>
             <a:off x="0" y="10155240"/>
-            <a:ext cx="3268080" cy="528480"/>
+            <a:ext cx="3267360" cy="527760"/>
           </a:xfrm>
           <a:prstGeom prst="rect">
             <a:avLst/>
@@ -2323,7 +2629,7 @@
         <p:spPr>
           <a:xfrm>
             <a:off x="1376280" y="1336680"/>
-            <a:ext cx="4799520" cy="3599280"/>
+            <a:ext cx="4798800" cy="3598560"/>
           </a:xfrm>
           <a:prstGeom prst="rect">
             <a:avLst/>
@@ -2346,7 +2652,7 @@
         <p:spPr>
           <a:xfrm>
             <a:off x="756000" y="5145120"/>
-            <a:ext cx="6039720" cy="4201920"/>
+            <a:ext cx="6039000" cy="4201200"/>
           </a:xfrm>
           <a:prstGeom prst="rect">
             <a:avLst/>
@@ -2376,7 +2682,7 @@
         <p:spPr>
           <a:xfrm>
             <a:off x="0" y="10155240"/>
-            <a:ext cx="3268080" cy="528480"/>
+            <a:ext cx="3267360" cy="527760"/>
           </a:xfrm>
           <a:prstGeom prst="rect">
             <a:avLst/>
@@ -2454,7 +2760,7 @@
         <p:spPr>
           <a:xfrm>
             <a:off x="1376280" y="1336680"/>
-            <a:ext cx="4799520" cy="3599280"/>
+            <a:ext cx="4798800" cy="3598560"/>
           </a:xfrm>
           <a:prstGeom prst="rect">
             <a:avLst/>
@@ -2477,7 +2783,7 @@
         <p:spPr>
           <a:xfrm>
             <a:off x="756000" y="5145120"/>
-            <a:ext cx="6039720" cy="4201920"/>
+            <a:ext cx="6039000" cy="4201200"/>
           </a:xfrm>
           <a:prstGeom prst="rect">
             <a:avLst/>
@@ -2507,7 +2813,7 @@
         <p:spPr>
           <a:xfrm>
             <a:off x="0" y="10155240"/>
-            <a:ext cx="3268080" cy="528480"/>
+            <a:ext cx="3267360" cy="527760"/>
           </a:xfrm>
           <a:prstGeom prst="rect">
             <a:avLst/>
@@ -7160,7 +7466,7 @@
         <p:spPr>
           <a:xfrm>
             <a:off x="0" y="3150000"/>
-            <a:ext cx="9712080" cy="1252080"/>
+            <a:ext cx="9711360" cy="1251360"/>
           </a:xfrm>
           <a:prstGeom prst="rect">
             <a:avLst/>
@@ -7650,7 +7956,7 @@
         <p:spPr>
           <a:xfrm>
             <a:off x="0" y="180000"/>
-            <a:ext cx="9712080" cy="1252080"/>
+            <a:ext cx="9711360" cy="1251360"/>
           </a:xfrm>
           <a:prstGeom prst="rect">
             <a:avLst/>
@@ -7678,7 +7984,7 @@
         <p:spPr>
           <a:xfrm>
             <a:off x="7560000" y="6840000"/>
-            <a:ext cx="2512080" cy="532080"/>
+            <a:ext cx="2511360" cy="531360"/>
           </a:xfrm>
           <a:prstGeom prst="rect">
             <a:avLst/>
@@ -7706,7 +8012,7 @@
         <p:spPr>
           <a:xfrm>
             <a:off x="900000" y="6840000"/>
-            <a:ext cx="6472080" cy="532080"/>
+            <a:ext cx="6471360" cy="531360"/>
           </a:xfrm>
           <a:prstGeom prst="rect">
             <a:avLst/>
@@ -7734,7 +8040,7 @@
         <p:spPr>
           <a:xfrm>
             <a:off x="180000" y="6840000"/>
-            <a:ext cx="532080" cy="532080"/>
+            <a:ext cx="531360" cy="531360"/>
           </a:xfrm>
           <a:prstGeom prst="rect">
             <a:avLst/>
@@ -7786,7 +8092,199 @@
               <a:rPr b="0" lang="pt-BR" sz="4400" spc="-1" strike="noStrike">
                 <a:latin typeface="Arial"/>
               </a:rPr>
-              <a:t>Click to edit the title text format</a:t>
+              <a:t>C</a:t>
+            </a:r>
+            <a:r>
+              <a:rPr b="0" lang="pt-BR" sz="4400" spc="-1" strike="noStrike">
+                <a:latin typeface="Arial"/>
+              </a:rPr>
+              <a:t>l</a:t>
+            </a:r>
+            <a:r>
+              <a:rPr b="0" lang="pt-BR" sz="4400" spc="-1" strike="noStrike">
+                <a:latin typeface="Arial"/>
+              </a:rPr>
+              <a:t>i</a:t>
+            </a:r>
+            <a:r>
+              <a:rPr b="0" lang="pt-BR" sz="4400" spc="-1" strike="noStrike">
+                <a:latin typeface="Arial"/>
+              </a:rPr>
+              <a:t>c</a:t>
+            </a:r>
+            <a:r>
+              <a:rPr b="0" lang="pt-BR" sz="4400" spc="-1" strike="noStrike">
+                <a:latin typeface="Arial"/>
+              </a:rPr>
+              <a:t>k</a:t>
+            </a:r>
+            <a:r>
+              <a:rPr b="0" lang="pt-BR" sz="4400" spc="-1" strike="noStrike">
+                <a:latin typeface="Arial"/>
+              </a:rPr>
+              <a:t> </a:t>
+            </a:r>
+            <a:r>
+              <a:rPr b="0" lang="pt-BR" sz="4400" spc="-1" strike="noStrike">
+                <a:latin typeface="Arial"/>
+              </a:rPr>
+              <a:t>t</a:t>
+            </a:r>
+            <a:r>
+              <a:rPr b="0" lang="pt-BR" sz="4400" spc="-1" strike="noStrike">
+                <a:latin typeface="Arial"/>
+              </a:rPr>
+              <a:t>o</a:t>
+            </a:r>
+            <a:r>
+              <a:rPr b="0" lang="pt-BR" sz="4400" spc="-1" strike="noStrike">
+                <a:latin typeface="Arial"/>
+              </a:rPr>
+              <a:t> </a:t>
+            </a:r>
+            <a:r>
+              <a:rPr b="0" lang="pt-BR" sz="4400" spc="-1" strike="noStrike">
+                <a:latin typeface="Arial"/>
+              </a:rPr>
+              <a:t>e</a:t>
+            </a:r>
+            <a:r>
+              <a:rPr b="0" lang="pt-BR" sz="4400" spc="-1" strike="noStrike">
+                <a:latin typeface="Arial"/>
+              </a:rPr>
+              <a:t>d</a:t>
+            </a:r>
+            <a:r>
+              <a:rPr b="0" lang="pt-BR" sz="4400" spc="-1" strike="noStrike">
+                <a:latin typeface="Arial"/>
+              </a:rPr>
+              <a:t>i</a:t>
+            </a:r>
+            <a:r>
+              <a:rPr b="0" lang="pt-BR" sz="4400" spc="-1" strike="noStrike">
+                <a:latin typeface="Arial"/>
+              </a:rPr>
+              <a:t>t </a:t>
+            </a:r>
+            <a:r>
+              <a:rPr b="0" lang="pt-BR" sz="4400" spc="-1" strike="noStrike">
+                <a:latin typeface="Arial"/>
+              </a:rPr>
+              <a:t>t</a:t>
+            </a:r>
+            <a:r>
+              <a:rPr b="0" lang="pt-BR" sz="4400" spc="-1" strike="noStrike">
+                <a:latin typeface="Arial"/>
+              </a:rPr>
+              <a:t>h</a:t>
+            </a:r>
+            <a:r>
+              <a:rPr b="0" lang="pt-BR" sz="4400" spc="-1" strike="noStrike">
+                <a:latin typeface="Arial"/>
+              </a:rPr>
+              <a:t>e</a:t>
+            </a:r>
+            <a:r>
+              <a:rPr b="0" lang="pt-BR" sz="4400" spc="-1" strike="noStrike">
+                <a:latin typeface="Arial"/>
+              </a:rPr>
+              <a:t> </a:t>
+            </a:r>
+            <a:r>
+              <a:rPr b="0" lang="pt-BR" sz="4400" spc="-1" strike="noStrike">
+                <a:latin typeface="Arial"/>
+              </a:rPr>
+              <a:t>t</a:t>
+            </a:r>
+            <a:r>
+              <a:rPr b="0" lang="pt-BR" sz="4400" spc="-1" strike="noStrike">
+                <a:latin typeface="Arial"/>
+              </a:rPr>
+              <a:t>i</a:t>
+            </a:r>
+            <a:r>
+              <a:rPr b="0" lang="pt-BR" sz="4400" spc="-1" strike="noStrike">
+                <a:latin typeface="Arial"/>
+              </a:rPr>
+              <a:t>t</a:t>
+            </a:r>
+            <a:r>
+              <a:rPr b="0" lang="pt-BR" sz="4400" spc="-1" strike="noStrike">
+                <a:latin typeface="Arial"/>
+              </a:rPr>
+              <a:t>l</a:t>
+            </a:r>
+            <a:r>
+              <a:rPr b="0" lang="pt-BR" sz="4400" spc="-1" strike="noStrike">
+                <a:latin typeface="Arial"/>
+              </a:rPr>
+              <a:t>e</a:t>
+            </a:r>
+            <a:r>
+              <a:rPr b="0" lang="pt-BR" sz="4400" spc="-1" strike="noStrike">
+                <a:latin typeface="Arial"/>
+              </a:rPr>
+              <a:t> </a:t>
+            </a:r>
+            <a:r>
+              <a:rPr b="0" lang="pt-BR" sz="4400" spc="-1" strike="noStrike">
+                <a:latin typeface="Arial"/>
+              </a:rPr>
+              <a:t>t</a:t>
+            </a:r>
+            <a:r>
+              <a:rPr b="0" lang="pt-BR" sz="4400" spc="-1" strike="noStrike">
+                <a:latin typeface="Arial"/>
+              </a:rPr>
+              <a:t>e</a:t>
+            </a:r>
+            <a:r>
+              <a:rPr b="0" lang="pt-BR" sz="4400" spc="-1" strike="noStrike">
+                <a:latin typeface="Arial"/>
+              </a:rPr>
+              <a:t>x</a:t>
+            </a:r>
+            <a:r>
+              <a:rPr b="0" lang="pt-BR" sz="4400" spc="-1" strike="noStrike">
+                <a:latin typeface="Arial"/>
+              </a:rPr>
+              <a:t>t </a:t>
+            </a:r>
+            <a:r>
+              <a:rPr b="0" lang="pt-BR" sz="4400" spc="-1" strike="noStrike">
+                <a:latin typeface="Arial"/>
+              </a:rPr>
+              <a:t>f</a:t>
+            </a:r>
+            <a:r>
+              <a:rPr b="0" lang="pt-BR" sz="4400" spc="-1" strike="noStrike">
+                <a:latin typeface="Arial"/>
+              </a:rPr>
+              <a:t>o</a:t>
+            </a:r>
+            <a:r>
+              <a:rPr b="0" lang="pt-BR" sz="4400" spc="-1" strike="noStrike">
+                <a:latin typeface="Arial"/>
+              </a:rPr>
+              <a:t>r</a:t>
+            </a:r>
+            <a:r>
+              <a:rPr b="0" lang="pt-BR" sz="4400" spc="-1" strike="noStrike">
+                <a:latin typeface="Arial"/>
+              </a:rPr>
+              <a:t>m</a:t>
+            </a:r>
+            <a:r>
+              <a:rPr b="0" lang="pt-BR" sz="4400" spc="-1" strike="noStrike">
+                <a:latin typeface="Arial"/>
+              </a:rPr>
+              <a:t>a</a:t>
+            </a:r>
+            <a:r>
+              <a:rPr b="0" lang="pt-BR" sz="4400" spc="-1" strike="noStrike">
+                <a:latin typeface="Arial"/>
+              </a:rPr>
+              <a:t>t</a:t>
             </a:r>
             <a:endParaRPr b="0" lang="pt-BR" sz="4400" spc="-1" strike="noStrike">
               <a:latin typeface="Arial"/>
@@ -8030,7 +8528,7 @@
         <p:spPr>
           <a:xfrm>
             <a:off x="0" y="3150000"/>
-            <a:ext cx="9712080" cy="1252080"/>
+            <a:ext cx="9711360" cy="1251360"/>
           </a:xfrm>
           <a:prstGeom prst="rect">
             <a:avLst/>
@@ -8084,25 +8582,199 @@
               <a:rPr b="0" lang="pt-BR" sz="4400" spc="-1" strike="noStrike">
                 <a:latin typeface="Arial"/>
               </a:rPr>
-              <a:t>Click to </a:t>
+              <a:t>C</a:t>
             </a:r>
             <a:r>
               <a:rPr b="0" lang="pt-BR" sz="4400" spc="-1" strike="noStrike">
                 <a:latin typeface="Arial"/>
               </a:rPr>
-              <a:t>edit the </a:t>
+              <a:t>l</a:t>
             </a:r>
             <a:r>
               <a:rPr b="0" lang="pt-BR" sz="4400" spc="-1" strike="noStrike">
                 <a:latin typeface="Arial"/>
               </a:rPr>
-              <a:t>title text </a:t>
+              <a:t>i</a:t>
             </a:r>
             <a:r>
               <a:rPr b="0" lang="pt-BR" sz="4400" spc="-1" strike="noStrike">
                 <a:latin typeface="Arial"/>
               </a:rPr>
-              <a:t>format</a:t>
+              <a:t>c</a:t>
+            </a:r>
+            <a:r>
+              <a:rPr b="0" lang="pt-BR" sz="4400" spc="-1" strike="noStrike">
+                <a:latin typeface="Arial"/>
+              </a:rPr>
+              <a:t>k</a:t>
+            </a:r>
+            <a:r>
+              <a:rPr b="0" lang="pt-BR" sz="4400" spc="-1" strike="noStrike">
+                <a:latin typeface="Arial"/>
+              </a:rPr>
+              <a:t> </a:t>
+            </a:r>
+            <a:r>
+              <a:rPr b="0" lang="pt-BR" sz="4400" spc="-1" strike="noStrike">
+                <a:latin typeface="Arial"/>
+              </a:rPr>
+              <a:t>t</a:t>
+            </a:r>
+            <a:r>
+              <a:rPr b="0" lang="pt-BR" sz="4400" spc="-1" strike="noStrike">
+                <a:latin typeface="Arial"/>
+              </a:rPr>
+              <a:t>o</a:t>
+            </a:r>
+            <a:r>
+              <a:rPr b="0" lang="pt-BR" sz="4400" spc="-1" strike="noStrike">
+                <a:latin typeface="Arial"/>
+              </a:rPr>
+              <a:t> </a:t>
+            </a:r>
+            <a:r>
+              <a:rPr b="0" lang="pt-BR" sz="4400" spc="-1" strike="noStrike">
+                <a:latin typeface="Arial"/>
+              </a:rPr>
+              <a:t>e</a:t>
+            </a:r>
+            <a:r>
+              <a:rPr b="0" lang="pt-BR" sz="4400" spc="-1" strike="noStrike">
+                <a:latin typeface="Arial"/>
+              </a:rPr>
+              <a:t>d</a:t>
+            </a:r>
+            <a:r>
+              <a:rPr b="0" lang="pt-BR" sz="4400" spc="-1" strike="noStrike">
+                <a:latin typeface="Arial"/>
+              </a:rPr>
+              <a:t>i</a:t>
+            </a:r>
+            <a:r>
+              <a:rPr b="0" lang="pt-BR" sz="4400" spc="-1" strike="noStrike">
+                <a:latin typeface="Arial"/>
+              </a:rPr>
+              <a:t>t </a:t>
+            </a:r>
+            <a:r>
+              <a:rPr b="0" lang="pt-BR" sz="4400" spc="-1" strike="noStrike">
+                <a:latin typeface="Arial"/>
+              </a:rPr>
+              <a:t>t</a:t>
+            </a:r>
+            <a:r>
+              <a:rPr b="0" lang="pt-BR" sz="4400" spc="-1" strike="noStrike">
+                <a:latin typeface="Arial"/>
+              </a:rPr>
+              <a:t>h</a:t>
+            </a:r>
+            <a:r>
+              <a:rPr b="0" lang="pt-BR" sz="4400" spc="-1" strike="noStrike">
+                <a:latin typeface="Arial"/>
+              </a:rPr>
+              <a:t>e</a:t>
+            </a:r>
+            <a:r>
+              <a:rPr b="0" lang="pt-BR" sz="4400" spc="-1" strike="noStrike">
+                <a:latin typeface="Arial"/>
+              </a:rPr>
+              <a:t> </a:t>
+            </a:r>
+            <a:r>
+              <a:rPr b="0" lang="pt-BR" sz="4400" spc="-1" strike="noStrike">
+                <a:latin typeface="Arial"/>
+              </a:rPr>
+              <a:t>t</a:t>
+            </a:r>
+            <a:r>
+              <a:rPr b="0" lang="pt-BR" sz="4400" spc="-1" strike="noStrike">
+                <a:latin typeface="Arial"/>
+              </a:rPr>
+              <a:t>i</a:t>
+            </a:r>
+            <a:r>
+              <a:rPr b="0" lang="pt-BR" sz="4400" spc="-1" strike="noStrike">
+                <a:latin typeface="Arial"/>
+              </a:rPr>
+              <a:t>t</a:t>
+            </a:r>
+            <a:r>
+              <a:rPr b="0" lang="pt-BR" sz="4400" spc="-1" strike="noStrike">
+                <a:latin typeface="Arial"/>
+              </a:rPr>
+              <a:t>l</a:t>
+            </a:r>
+            <a:r>
+              <a:rPr b="0" lang="pt-BR" sz="4400" spc="-1" strike="noStrike">
+                <a:latin typeface="Arial"/>
+              </a:rPr>
+              <a:t>e</a:t>
+            </a:r>
+            <a:r>
+              <a:rPr b="0" lang="pt-BR" sz="4400" spc="-1" strike="noStrike">
+                <a:latin typeface="Arial"/>
+              </a:rPr>
+              <a:t> </a:t>
+            </a:r>
+            <a:r>
+              <a:rPr b="0" lang="pt-BR" sz="4400" spc="-1" strike="noStrike">
+                <a:latin typeface="Arial"/>
+              </a:rPr>
+              <a:t>t</a:t>
+            </a:r>
+            <a:r>
+              <a:rPr b="0" lang="pt-BR" sz="4400" spc="-1" strike="noStrike">
+                <a:latin typeface="Arial"/>
+              </a:rPr>
+              <a:t>e</a:t>
+            </a:r>
+            <a:r>
+              <a:rPr b="0" lang="pt-BR" sz="4400" spc="-1" strike="noStrike">
+                <a:latin typeface="Arial"/>
+              </a:rPr>
+              <a:t>x</a:t>
+            </a:r>
+            <a:r>
+              <a:rPr b="0" lang="pt-BR" sz="4400" spc="-1" strike="noStrike">
+                <a:latin typeface="Arial"/>
+              </a:rPr>
+              <a:t>t </a:t>
+            </a:r>
+            <a:r>
+              <a:rPr b="0" lang="pt-BR" sz="4400" spc="-1" strike="noStrike">
+                <a:latin typeface="Arial"/>
+              </a:rPr>
+              <a:t>f</a:t>
+            </a:r>
+            <a:r>
+              <a:rPr b="0" lang="pt-BR" sz="4400" spc="-1" strike="noStrike">
+                <a:latin typeface="Arial"/>
+              </a:rPr>
+              <a:t>o</a:t>
+            </a:r>
+            <a:r>
+              <a:rPr b="0" lang="pt-BR" sz="4400" spc="-1" strike="noStrike">
+                <a:latin typeface="Arial"/>
+              </a:rPr>
+              <a:t>r</a:t>
+            </a:r>
+            <a:r>
+              <a:rPr b="0" lang="pt-BR" sz="4400" spc="-1" strike="noStrike">
+                <a:latin typeface="Arial"/>
+              </a:rPr>
+              <a:t>m</a:t>
+            </a:r>
+            <a:r>
+              <a:rPr b="0" lang="pt-BR" sz="4400" spc="-1" strike="noStrike">
+                <a:latin typeface="Arial"/>
+              </a:rPr>
+              <a:t>a</a:t>
+            </a:r>
+            <a:r>
+              <a:rPr b="0" lang="pt-BR" sz="4400" spc="-1" strike="noStrike">
+                <a:latin typeface="Arial"/>
+              </a:rPr>
+              <a:t>t</a:t>
             </a:r>
             <a:endParaRPr b="0" lang="pt-BR" sz="4400" spc="-1" strike="noStrike">
               <a:latin typeface="Arial"/>
@@ -8339,7 +9011,7 @@
         <p:spPr>
           <a:xfrm>
             <a:off x="360000" y="3330000"/>
-            <a:ext cx="9352080" cy="892080"/>
+            <a:ext cx="9351360" cy="891360"/>
           </a:xfrm>
           <a:prstGeom prst="rect">
             <a:avLst/>
@@ -8391,7 +9063,7 @@
         <p:spPr>
           <a:xfrm>
             <a:off x="540000" y="4680000"/>
-            <a:ext cx="9172080" cy="2512080"/>
+            <a:ext cx="9171360" cy="2511360"/>
           </a:xfrm>
           <a:prstGeom prst="rect">
             <a:avLst/>
@@ -8596,7 +9268,7 @@
         <p:spPr>
           <a:xfrm>
             <a:off x="360000" y="360000"/>
-            <a:ext cx="9352080" cy="892080"/>
+            <a:ext cx="9351360" cy="891360"/>
           </a:xfrm>
           <a:prstGeom prst="rect">
             <a:avLst/>
@@ -8648,7 +9320,7 @@
         <p:spPr>
           <a:xfrm>
             <a:off x="360000" y="1620000"/>
-            <a:ext cx="9306360" cy="4672080"/>
+            <a:ext cx="9305640" cy="4671360"/>
           </a:xfrm>
           <a:prstGeom prst="rect">
             <a:avLst/>
@@ -8721,7 +9393,7 @@
         <p:spPr>
           <a:xfrm>
             <a:off x="7608600" y="6886080"/>
-            <a:ext cx="2277360" cy="357120"/>
+            <a:ext cx="2276640" cy="356400"/>
           </a:xfrm>
           <a:prstGeom prst="rect">
             <a:avLst/>
@@ -8784,7 +9456,7 @@
         <p:spPr>
           <a:xfrm>
             <a:off x="897120" y="6886080"/>
-            <a:ext cx="6439320" cy="357120"/>
+            <a:ext cx="6438600" cy="356400"/>
           </a:xfrm>
           <a:prstGeom prst="rect">
             <a:avLst/>
@@ -8836,7 +9508,7 @@
         <p:spPr>
           <a:xfrm>
             <a:off x="360000" y="1764000"/>
-            <a:ext cx="9306360" cy="4672080"/>
+            <a:ext cx="9305640" cy="4671360"/>
           </a:xfrm>
           <a:prstGeom prst="rect">
             <a:avLst/>
@@ -8997,7 +9669,7 @@
         <p:spPr>
           <a:xfrm>
             <a:off x="2087280" y="2201760"/>
-            <a:ext cx="6191280" cy="1936800"/>
+            <a:ext cx="6190560" cy="1936080"/>
           </a:xfrm>
           <a:prstGeom prst="rect">
             <a:avLst/>
@@ -9020,7 +9692,7 @@
         <p:spPr>
           <a:xfrm>
             <a:off x="6617880" y="1047960"/>
-            <a:ext cx="3058920" cy="931320"/>
+            <a:ext cx="3058200" cy="930600"/>
           </a:xfrm>
           <a:prstGeom prst="rect">
             <a:avLst/>
@@ -9044,7 +9716,7 @@
         <p:spPr>
           <a:xfrm>
             <a:off x="3060000" y="4349520"/>
-            <a:ext cx="4647960" cy="2070720"/>
+            <a:ext cx="4647240" cy="2070000"/>
           </a:xfrm>
           <a:prstGeom prst="rect">
             <a:avLst/>
@@ -9063,7 +9735,7 @@
         <p:spPr>
           <a:xfrm>
             <a:off x="3069720" y="4335480"/>
-            <a:ext cx="401400" cy="2076120"/>
+            <a:ext cx="400680" cy="2075400"/>
           </a:xfrm>
           <a:prstGeom prst="rect">
             <a:avLst/>
@@ -9205,7 +9877,7 @@
         <p:spPr>
           <a:xfrm>
             <a:off x="3495600" y="4335480"/>
-            <a:ext cx="401400" cy="2076120"/>
+            <a:ext cx="400680" cy="2075400"/>
           </a:xfrm>
           <a:prstGeom prst="rect">
             <a:avLst/>
@@ -9305,7 +9977,7 @@
         <p:spPr>
           <a:xfrm>
             <a:off x="3920760" y="4335480"/>
-            <a:ext cx="401040" cy="2076120"/>
+            <a:ext cx="400320" cy="2075400"/>
           </a:xfrm>
           <a:prstGeom prst="rect">
             <a:avLst/>
@@ -9405,7 +10077,7 @@
         <p:spPr>
           <a:xfrm>
             <a:off x="4346640" y="4335480"/>
-            <a:ext cx="401400" cy="2076120"/>
+            <a:ext cx="400680" cy="2075400"/>
           </a:xfrm>
           <a:prstGeom prst="rect">
             <a:avLst/>
@@ -9505,7 +10177,7 @@
         <p:spPr>
           <a:xfrm>
             <a:off x="4772160" y="4335480"/>
-            <a:ext cx="401400" cy="2076120"/>
+            <a:ext cx="400680" cy="2075400"/>
           </a:xfrm>
           <a:prstGeom prst="rect">
             <a:avLst/>
@@ -9563,7 +10235,7 @@
         <p:spPr>
           <a:xfrm>
             <a:off x="5201640" y="4344120"/>
-            <a:ext cx="401400" cy="2076120"/>
+            <a:ext cx="400680" cy="2075400"/>
           </a:xfrm>
           <a:prstGeom prst="rect">
             <a:avLst/>
@@ -9705,7 +10377,7 @@
         <p:spPr>
           <a:xfrm>
             <a:off x="5627160" y="4344120"/>
-            <a:ext cx="401400" cy="2076120"/>
+            <a:ext cx="400680" cy="2075400"/>
           </a:xfrm>
           <a:prstGeom prst="rect">
             <a:avLst/>
@@ -9847,7 +10519,7 @@
         <p:spPr>
           <a:xfrm>
             <a:off x="6029280" y="4359960"/>
-            <a:ext cx="401400" cy="2076120"/>
+            <a:ext cx="400680" cy="2075400"/>
           </a:xfrm>
           <a:prstGeom prst="rect">
             <a:avLst/>
@@ -9947,7 +10619,7 @@
         <p:spPr>
           <a:xfrm>
             <a:off x="6455160" y="4359960"/>
-            <a:ext cx="401400" cy="2076120"/>
+            <a:ext cx="400680" cy="2075400"/>
           </a:xfrm>
           <a:prstGeom prst="rect">
             <a:avLst/>
@@ -10005,7 +10677,7 @@
         <p:spPr>
           <a:xfrm>
             <a:off x="6880680" y="4359960"/>
-            <a:ext cx="401400" cy="2076120"/>
+            <a:ext cx="400680" cy="2075400"/>
           </a:xfrm>
           <a:prstGeom prst="rect">
             <a:avLst/>
@@ -10063,7 +10735,7 @@
         <p:spPr>
           <a:xfrm>
             <a:off x="7306560" y="4359960"/>
-            <a:ext cx="401400" cy="2076120"/>
+            <a:ext cx="400680" cy="2075400"/>
           </a:xfrm>
           <a:prstGeom prst="rect">
             <a:avLst/>
@@ -10151,7 +10823,7 @@
         <p:spPr>
           <a:xfrm>
             <a:off x="360000" y="360000"/>
-            <a:ext cx="9352080" cy="892080"/>
+            <a:ext cx="9351360" cy="891360"/>
           </a:xfrm>
           <a:prstGeom prst="rect">
             <a:avLst/>
@@ -10203,7 +10875,7 @@
         <p:spPr>
           <a:xfrm>
             <a:off x="360000" y="1620000"/>
-            <a:ext cx="9306360" cy="4672080"/>
+            <a:ext cx="9305640" cy="4671360"/>
           </a:xfrm>
           <a:prstGeom prst="rect">
             <a:avLst/>
@@ -10276,7 +10948,7 @@
         <p:spPr>
           <a:xfrm>
             <a:off x="7608600" y="6886080"/>
-            <a:ext cx="2277360" cy="357120"/>
+            <a:ext cx="2276640" cy="356400"/>
           </a:xfrm>
           <a:prstGeom prst="rect">
             <a:avLst/>
@@ -10339,7 +11011,7 @@
         <p:spPr>
           <a:xfrm>
             <a:off x="897120" y="6886080"/>
-            <a:ext cx="6439320" cy="357120"/>
+            <a:ext cx="6438600" cy="356400"/>
           </a:xfrm>
           <a:prstGeom prst="rect">
             <a:avLst/>
@@ -10391,7 +11063,7 @@
         <p:spPr>
           <a:xfrm>
             <a:off x="360000" y="1764000"/>
-            <a:ext cx="9306360" cy="4672080"/>
+            <a:ext cx="9305640" cy="4671360"/>
           </a:xfrm>
           <a:prstGeom prst="rect">
             <a:avLst/>
@@ -10712,7 +11384,7 @@
         <p:spPr>
           <a:xfrm>
             <a:off x="2134440" y="2922480"/>
-            <a:ext cx="5784120" cy="3556080"/>
+            <a:ext cx="5783400" cy="3555360"/>
           </a:xfrm>
           <a:prstGeom prst="rect">
             <a:avLst/>
@@ -10735,7 +11407,7 @@
         <p:spPr>
           <a:xfrm>
             <a:off x="6617520" y="1047600"/>
-            <a:ext cx="3058920" cy="931320"/>
+            <a:ext cx="3058200" cy="930600"/>
           </a:xfrm>
           <a:prstGeom prst="rect">
             <a:avLst/>
@@ -10784,7 +11456,7 @@
         <p:spPr>
           <a:xfrm>
             <a:off x="360000" y="360000"/>
-            <a:ext cx="9352080" cy="892080"/>
+            <a:ext cx="9351360" cy="891360"/>
           </a:xfrm>
           <a:prstGeom prst="rect">
             <a:avLst/>
@@ -10836,7 +11508,7 @@
         <p:spPr>
           <a:xfrm>
             <a:off x="360000" y="1620000"/>
-            <a:ext cx="9306360" cy="4672080"/>
+            <a:ext cx="9305640" cy="4671360"/>
           </a:xfrm>
           <a:prstGeom prst="rect">
             <a:avLst/>
@@ -10909,7 +11581,7 @@
         <p:spPr>
           <a:xfrm>
             <a:off x="7608600" y="6886080"/>
-            <a:ext cx="2277360" cy="357120"/>
+            <a:ext cx="2276640" cy="356400"/>
           </a:xfrm>
           <a:prstGeom prst="rect">
             <a:avLst/>
@@ -10972,7 +11644,7 @@
         <p:spPr>
           <a:xfrm>
             <a:off x="897120" y="6886080"/>
-            <a:ext cx="6439320" cy="357120"/>
+            <a:ext cx="6438600" cy="356400"/>
           </a:xfrm>
           <a:prstGeom prst="rect">
             <a:avLst/>
@@ -11024,7 +11696,7 @@
         <p:spPr>
           <a:xfrm>
             <a:off x="360000" y="1764000"/>
-            <a:ext cx="9306360" cy="4672080"/>
+            <a:ext cx="9305640" cy="4671360"/>
           </a:xfrm>
           <a:prstGeom prst="rect">
             <a:avLst/>
@@ -11415,7 +12087,7 @@
         <p:spPr>
           <a:xfrm>
             <a:off x="720000" y="4428000"/>
-            <a:ext cx="5758200" cy="2368080"/>
+            <a:ext cx="5757480" cy="2367360"/>
           </a:xfrm>
           <a:prstGeom prst="rect">
             <a:avLst/>
@@ -11438,7 +12110,7 @@
         <p:spPr>
           <a:xfrm>
             <a:off x="6617520" y="1047600"/>
-            <a:ext cx="3058920" cy="931320"/>
+            <a:ext cx="3058200" cy="930600"/>
           </a:xfrm>
           <a:prstGeom prst="rect">
             <a:avLst/>
@@ -11461,7 +12133,7 @@
         <p:spPr>
           <a:xfrm>
             <a:off x="7200000" y="4813560"/>
-            <a:ext cx="2044080" cy="1622520"/>
+            <a:ext cx="2043360" cy="1621800"/>
           </a:xfrm>
           <a:prstGeom prst="rect">
             <a:avLst/>
@@ -11485,7 +12157,7 @@
         <p:spPr>
           <a:xfrm>
             <a:off x="3240000" y="2602800"/>
-            <a:ext cx="3958560" cy="1895760"/>
+            <a:ext cx="3957840" cy="1895040"/>
           </a:xfrm>
           <a:prstGeom prst="rect">
             <a:avLst/>
@@ -11534,7 +12206,7 @@
         <p:spPr>
           <a:xfrm>
             <a:off x="360000" y="360000"/>
-            <a:ext cx="9352080" cy="892080"/>
+            <a:ext cx="9351360" cy="891360"/>
           </a:xfrm>
           <a:prstGeom prst="rect">
             <a:avLst/>
@@ -11586,7 +12258,7 @@
         <p:spPr>
           <a:xfrm>
             <a:off x="360000" y="1620000"/>
-            <a:ext cx="9306360" cy="4672080"/>
+            <a:ext cx="9305640" cy="4671360"/>
           </a:xfrm>
           <a:prstGeom prst="rect">
             <a:avLst/>
@@ -11659,7 +12331,7 @@
         <p:spPr>
           <a:xfrm>
             <a:off x="7608600" y="6886080"/>
-            <a:ext cx="2277360" cy="357120"/>
+            <a:ext cx="2276640" cy="356400"/>
           </a:xfrm>
           <a:prstGeom prst="rect">
             <a:avLst/>
@@ -11722,7 +12394,7 @@
         <p:spPr>
           <a:xfrm>
             <a:off x="897120" y="6886080"/>
-            <a:ext cx="6439320" cy="357120"/>
+            <a:ext cx="6438600" cy="356400"/>
           </a:xfrm>
           <a:prstGeom prst="rect">
             <a:avLst/>
@@ -11774,7 +12446,7 @@
         <p:spPr>
           <a:xfrm>
             <a:off x="360000" y="1764000"/>
-            <a:ext cx="9306360" cy="4672080"/>
+            <a:ext cx="9305640" cy="4671360"/>
           </a:xfrm>
           <a:prstGeom prst="rect">
             <a:avLst/>
@@ -12193,7 +12865,7 @@
         <p:spPr>
           <a:xfrm>
             <a:off x="6617160" y="1047240"/>
-            <a:ext cx="3058920" cy="931320"/>
+            <a:ext cx="3058200" cy="930600"/>
           </a:xfrm>
           <a:prstGeom prst="rect">
             <a:avLst/>
@@ -12217,7 +12889,7 @@
         <p:spPr>
           <a:xfrm>
             <a:off x="360000" y="3060000"/>
-            <a:ext cx="5254560" cy="1798560"/>
+            <a:ext cx="5253840" cy="1797840"/>
           </a:xfrm>
           <a:prstGeom prst="rect">
             <a:avLst/>
@@ -12240,7 +12912,7 @@
         <p:spPr>
           <a:xfrm>
             <a:off x="5603400" y="4500000"/>
-            <a:ext cx="3935160" cy="2164320"/>
+            <a:ext cx="3934440" cy="2163600"/>
           </a:xfrm>
           <a:prstGeom prst="rect">
             <a:avLst/>
@@ -12289,7 +12961,7 @@
         <p:spPr>
           <a:xfrm>
             <a:off x="360000" y="360000"/>
-            <a:ext cx="9352080" cy="892080"/>
+            <a:ext cx="9351360" cy="891360"/>
           </a:xfrm>
           <a:prstGeom prst="rect">
             <a:avLst/>
@@ -12341,7 +13013,7 @@
         <p:spPr>
           <a:xfrm>
             <a:off x="360000" y="1620000"/>
-            <a:ext cx="9306360" cy="4672080"/>
+            <a:ext cx="9305640" cy="4671360"/>
           </a:xfrm>
           <a:prstGeom prst="rect">
             <a:avLst/>
@@ -12414,7 +13086,7 @@
         <p:spPr>
           <a:xfrm>
             <a:off x="7608600" y="6886080"/>
-            <a:ext cx="2277360" cy="357120"/>
+            <a:ext cx="2276640" cy="356400"/>
           </a:xfrm>
           <a:prstGeom prst="rect">
             <a:avLst/>
@@ -12477,7 +13149,7 @@
         <p:spPr>
           <a:xfrm>
             <a:off x="897120" y="6886080"/>
-            <a:ext cx="6439320" cy="357120"/>
+            <a:ext cx="6438600" cy="356400"/>
           </a:xfrm>
           <a:prstGeom prst="rect">
             <a:avLst/>
@@ -12529,7 +13201,7 @@
         <p:spPr>
           <a:xfrm>
             <a:off x="360000" y="1764000"/>
-            <a:ext cx="9306360" cy="4672080"/>
+            <a:ext cx="9305640" cy="4671360"/>
           </a:xfrm>
           <a:prstGeom prst="rect">
             <a:avLst/>
@@ -12891,7 +13563,7 @@
         <p:spPr>
           <a:xfrm>
             <a:off x="6617160" y="1047240"/>
-            <a:ext cx="3058920" cy="931320"/>
+            <a:ext cx="3058200" cy="930600"/>
           </a:xfrm>
           <a:prstGeom prst="rect">
             <a:avLst/>
@@ -12915,7 +13587,7 @@
         <p:spPr>
           <a:xfrm>
             <a:off x="648360" y="3309120"/>
-            <a:ext cx="4318200" cy="1729440"/>
+            <a:ext cx="4317480" cy="1728720"/>
           </a:xfrm>
           <a:prstGeom prst="rect">
             <a:avLst/>
@@ -12938,7 +13610,7 @@
         <p:spPr>
           <a:xfrm>
             <a:off x="5400000" y="3240000"/>
-            <a:ext cx="3598560" cy="1984320"/>
+            <a:ext cx="3597840" cy="1983600"/>
           </a:xfrm>
           <a:prstGeom prst="rect">
             <a:avLst/>
@@ -12992,7 +13664,7 @@
         <p:spPr>
           <a:xfrm>
             <a:off x="1980000" y="3911040"/>
-            <a:ext cx="6750000" cy="2747520"/>
+            <a:ext cx="6749280" cy="2746800"/>
           </a:xfrm>
           <a:prstGeom prst="rect">
             <a:avLst/>
@@ -13011,7 +13683,7 @@
         <p:spPr>
           <a:xfrm>
             <a:off x="360000" y="360000"/>
-            <a:ext cx="9352080" cy="892080"/>
+            <a:ext cx="9351360" cy="891360"/>
           </a:xfrm>
           <a:prstGeom prst="rect">
             <a:avLst/>
@@ -13063,7 +13735,7 @@
         <p:spPr>
           <a:xfrm>
             <a:off x="360000" y="1620000"/>
-            <a:ext cx="9306360" cy="4672080"/>
+            <a:ext cx="9305640" cy="4671360"/>
           </a:xfrm>
           <a:prstGeom prst="rect">
             <a:avLst/>
@@ -13136,7 +13808,7 @@
         <p:spPr>
           <a:xfrm>
             <a:off x="7608600" y="6886080"/>
-            <a:ext cx="2277360" cy="357120"/>
+            <a:ext cx="2276640" cy="356400"/>
           </a:xfrm>
           <a:prstGeom prst="rect">
             <a:avLst/>
@@ -13199,7 +13871,7 @@
         <p:spPr>
           <a:xfrm>
             <a:off x="897120" y="6886080"/>
-            <a:ext cx="6439320" cy="357120"/>
+            <a:ext cx="6438600" cy="356400"/>
           </a:xfrm>
           <a:prstGeom prst="rect">
             <a:avLst/>
@@ -13251,7 +13923,7 @@
         <p:spPr>
           <a:xfrm>
             <a:off x="360000" y="1440000"/>
-            <a:ext cx="9306360" cy="4672080"/>
+            <a:ext cx="9305640" cy="4671360"/>
           </a:xfrm>
           <a:prstGeom prst="rect">
             <a:avLst/>
@@ -13718,7 +14390,7 @@
         <p:spPr>
           <a:xfrm>
             <a:off x="360000" y="360000"/>
-            <a:ext cx="9352080" cy="892080"/>
+            <a:ext cx="9351360" cy="891360"/>
           </a:xfrm>
           <a:prstGeom prst="rect">
             <a:avLst/>
@@ -13770,7 +14442,7 @@
         <p:spPr>
           <a:xfrm>
             <a:off x="360000" y="1620000"/>
-            <a:ext cx="9306360" cy="4672080"/>
+            <a:ext cx="9305640" cy="4671360"/>
           </a:xfrm>
           <a:prstGeom prst="rect">
             <a:avLst/>
@@ -13843,7 +14515,7 @@
         <p:spPr>
           <a:xfrm>
             <a:off x="7608600" y="6886080"/>
-            <a:ext cx="2277360" cy="357120"/>
+            <a:ext cx="2276640" cy="356400"/>
           </a:xfrm>
           <a:prstGeom prst="rect">
             <a:avLst/>
@@ -13906,7 +14578,7 @@
         <p:spPr>
           <a:xfrm>
             <a:off x="897120" y="6886080"/>
-            <a:ext cx="6439320" cy="357120"/>
+            <a:ext cx="6438600" cy="356400"/>
           </a:xfrm>
           <a:prstGeom prst="rect">
             <a:avLst/>
@@ -13958,7 +14630,7 @@
         <p:spPr>
           <a:xfrm>
             <a:off x="360000" y="1440000"/>
-            <a:ext cx="9306360" cy="4672080"/>
+            <a:ext cx="9305640" cy="4671360"/>
           </a:xfrm>
           <a:prstGeom prst="rect">
             <a:avLst/>
@@ -14365,7 +15037,7 @@
         <p:spPr>
           <a:xfrm>
             <a:off x="3240000" y="2052000"/>
-            <a:ext cx="6298560" cy="4738680"/>
+            <a:ext cx="6297840" cy="4737960"/>
           </a:xfrm>
           <a:prstGeom prst="rect">
             <a:avLst/>
@@ -14389,7 +15061,7 @@
         <p:spPr>
           <a:xfrm>
             <a:off x="6660000" y="965520"/>
-            <a:ext cx="3006360" cy="905040"/>
+            <a:ext cx="3005640" cy="904320"/>
           </a:xfrm>
           <a:prstGeom prst="rect">
             <a:avLst/>
@@ -14408,7 +15080,7 @@
         <p:spPr>
           <a:xfrm>
             <a:off x="7545960" y="975960"/>
-            <a:ext cx="1174680" cy="894240"/>
+            <a:ext cx="1173960" cy="893520"/>
           </a:xfrm>
           <a:prstGeom prst="rect">
             <a:avLst/>
@@ -14470,7 +15142,7 @@
         <p:spPr>
           <a:xfrm>
             <a:off x="360000" y="360000"/>
-            <a:ext cx="9352080" cy="892080"/>
+            <a:ext cx="9351360" cy="891360"/>
           </a:xfrm>
           <a:prstGeom prst="rect">
             <a:avLst/>
@@ -14522,7 +15194,7 @@
         <p:spPr>
           <a:xfrm>
             <a:off x="360000" y="1620000"/>
-            <a:ext cx="9306360" cy="4672080"/>
+            <a:ext cx="9305640" cy="4671360"/>
           </a:xfrm>
           <a:prstGeom prst="rect">
             <a:avLst/>
@@ -14595,7 +15267,7 @@
         <p:spPr>
           <a:xfrm>
             <a:off x="7608600" y="6886080"/>
-            <a:ext cx="2277360" cy="357120"/>
+            <a:ext cx="2276640" cy="356400"/>
           </a:xfrm>
           <a:prstGeom prst="rect">
             <a:avLst/>
@@ -14658,7 +15330,7 @@
         <p:spPr>
           <a:xfrm>
             <a:off x="897120" y="6886080"/>
-            <a:ext cx="6439320" cy="357120"/>
+            <a:ext cx="6438600" cy="356400"/>
           </a:xfrm>
           <a:prstGeom prst="rect">
             <a:avLst/>
@@ -14710,7 +15382,7 @@
         <p:spPr>
           <a:xfrm>
             <a:off x="360000" y="1440000"/>
-            <a:ext cx="9306360" cy="4672080"/>
+            <a:ext cx="9305640" cy="4671360"/>
           </a:xfrm>
           <a:prstGeom prst="rect">
             <a:avLst/>
@@ -14803,6 +15475,16 @@
             <a:br>
               <a:rPr sz="1800"/>
             </a:br>
+            <a:r>
+              <a:rPr b="0" lang="pt-BR" sz="1800" spc="-1" strike="noStrike">
+                <a:solidFill>
+                  <a:srgbClr val="000000"/>
+                </a:solidFill>
+                <a:latin typeface="Arial"/>
+                <a:ea typeface="DejaVu Sans"/>
+              </a:rPr>
+              <a:t> </a:t>
+            </a:r>
             <a:endParaRPr b="0" lang="pt-BR" sz="1800" spc="-1" strike="noStrike">
               <a:latin typeface="Arial"/>
             </a:endParaRPr>
@@ -14848,7 +15530,7 @@
         <p:spPr>
           <a:xfrm>
             <a:off x="360000" y="360000"/>
-            <a:ext cx="9352080" cy="892080"/>
+            <a:ext cx="9351360" cy="891360"/>
           </a:xfrm>
           <a:prstGeom prst="rect">
             <a:avLst/>
@@ -14900,7 +15582,7 @@
         <p:spPr>
           <a:xfrm>
             <a:off x="360000" y="1980000"/>
-            <a:ext cx="9172080" cy="4672080"/>
+            <a:ext cx="9171360" cy="4671360"/>
           </a:xfrm>
           <a:prstGeom prst="rect">
             <a:avLst/>
@@ -15086,7 +15768,7 @@
         <p:spPr>
           <a:xfrm>
             <a:off x="7608600" y="6886080"/>
-            <a:ext cx="2277360" cy="357120"/>
+            <a:ext cx="2276640" cy="356400"/>
           </a:xfrm>
           <a:prstGeom prst="rect">
             <a:avLst/>
@@ -15149,7 +15831,7 @@
         <p:spPr>
           <a:xfrm>
             <a:off x="897120" y="6886080"/>
-            <a:ext cx="6439320" cy="357120"/>
+            <a:ext cx="6438600" cy="356400"/>
           </a:xfrm>
           <a:prstGeom prst="rect">
             <a:avLst/>
@@ -15205,7 +15887,7 @@
         <p:spPr>
           <a:xfrm>
             <a:off x="3272040" y="3780000"/>
-            <a:ext cx="4827600" cy="2351520"/>
+            <a:ext cx="4826880" cy="2350800"/>
           </a:xfrm>
           <a:prstGeom prst="rect">
             <a:avLst/>
@@ -15224,7 +15906,7 @@
         <p:spPr>
           <a:xfrm>
             <a:off x="7740000" y="4320000"/>
-            <a:ext cx="179640" cy="359640"/>
+            <a:ext cx="178920" cy="358920"/>
           </a:xfrm>
           <a:custGeom>
             <a:avLst/>
@@ -15313,7 +15995,7 @@
         <p:spPr>
           <a:xfrm>
             <a:off x="360000" y="360000"/>
-            <a:ext cx="9352080" cy="892080"/>
+            <a:ext cx="9351360" cy="891360"/>
           </a:xfrm>
           <a:prstGeom prst="rect">
             <a:avLst/>
@@ -15365,7 +16047,7 @@
         <p:spPr>
           <a:xfrm>
             <a:off x="360000" y="1620000"/>
-            <a:ext cx="9306360" cy="4672080"/>
+            <a:ext cx="9305640" cy="4671360"/>
           </a:xfrm>
           <a:prstGeom prst="rect">
             <a:avLst/>
@@ -15626,7 +16308,7 @@
         <p:spPr>
           <a:xfrm>
             <a:off x="7608600" y="6886080"/>
-            <a:ext cx="2277360" cy="357120"/>
+            <a:ext cx="2276640" cy="356400"/>
           </a:xfrm>
           <a:prstGeom prst="rect">
             <a:avLst/>
@@ -15689,7 +16371,7 @@
         <p:spPr>
           <a:xfrm>
             <a:off x="897120" y="6886080"/>
-            <a:ext cx="6439320" cy="357120"/>
+            <a:ext cx="6438600" cy="356400"/>
           </a:xfrm>
           <a:prstGeom prst="rect">
             <a:avLst/>
@@ -15745,7 +16427,7 @@
         <p:spPr>
           <a:xfrm>
             <a:off x="1947960" y="3390120"/>
-            <a:ext cx="6330600" cy="2901960"/>
+            <a:ext cx="6329880" cy="2901240"/>
           </a:xfrm>
           <a:prstGeom prst="rect">
             <a:avLst/>
@@ -15794,7 +16476,7 @@
         <p:spPr>
           <a:xfrm>
             <a:off x="360000" y="360000"/>
-            <a:ext cx="9352080" cy="892080"/>
+            <a:ext cx="9351360" cy="891360"/>
           </a:xfrm>
           <a:prstGeom prst="rect">
             <a:avLst/>
@@ -15846,7 +16528,7 @@
         <p:spPr>
           <a:xfrm>
             <a:off x="360000" y="1620000"/>
-            <a:ext cx="9306360" cy="4672080"/>
+            <a:ext cx="9305640" cy="4671360"/>
           </a:xfrm>
           <a:prstGeom prst="rect">
             <a:avLst/>
@@ -15919,7 +16601,7 @@
         <p:spPr>
           <a:xfrm>
             <a:off x="7608600" y="6886080"/>
-            <a:ext cx="2277360" cy="357120"/>
+            <a:ext cx="2276640" cy="356400"/>
           </a:xfrm>
           <a:prstGeom prst="rect">
             <a:avLst/>
@@ -15982,7 +16664,7 @@
         <p:spPr>
           <a:xfrm>
             <a:off x="897120" y="6886080"/>
-            <a:ext cx="6439320" cy="357120"/>
+            <a:ext cx="6438600" cy="356400"/>
           </a:xfrm>
           <a:prstGeom prst="rect">
             <a:avLst/>
@@ -16039,7 +16721,7 @@
         <p:spPr>
           <a:xfrm>
             <a:off x="251280" y="1687320"/>
-            <a:ext cx="4463280" cy="2968920"/>
+            <a:ext cx="4462560" cy="2968200"/>
           </a:xfrm>
           <a:prstGeom prst="rect">
             <a:avLst/>
@@ -16062,7 +16744,7 @@
         <p:spPr>
           <a:xfrm>
             <a:off x="2166480" y="5114520"/>
-            <a:ext cx="6616440" cy="1476720"/>
+            <a:ext cx="6615720" cy="1476000"/>
           </a:xfrm>
           <a:prstGeom prst="rect">
             <a:avLst/>
@@ -16085,7 +16767,7 @@
         <p:spPr>
           <a:xfrm>
             <a:off x="5094000" y="1704600"/>
-            <a:ext cx="4498920" cy="2951280"/>
+            <a:ext cx="4498200" cy="2950560"/>
           </a:xfrm>
           <a:prstGeom prst="rect">
             <a:avLst/>
@@ -16134,7 +16816,7 @@
         <p:spPr>
           <a:xfrm>
             <a:off x="360000" y="360000"/>
-            <a:ext cx="9352080" cy="892080"/>
+            <a:ext cx="9351360" cy="891360"/>
           </a:xfrm>
           <a:prstGeom prst="rect">
             <a:avLst/>
@@ -16186,7 +16868,7 @@
         <p:spPr>
           <a:xfrm>
             <a:off x="360000" y="1620000"/>
-            <a:ext cx="9306360" cy="4672080"/>
+            <a:ext cx="9305640" cy="4671360"/>
           </a:xfrm>
           <a:prstGeom prst="rect">
             <a:avLst/>
@@ -16259,7 +16941,7 @@
         <p:spPr>
           <a:xfrm>
             <a:off x="7608600" y="6886080"/>
-            <a:ext cx="2277360" cy="357120"/>
+            <a:ext cx="2276640" cy="356400"/>
           </a:xfrm>
           <a:prstGeom prst="rect">
             <a:avLst/>
@@ -16322,7 +17004,7 @@
         <p:spPr>
           <a:xfrm>
             <a:off x="897120" y="6886080"/>
-            <a:ext cx="6439320" cy="357120"/>
+            <a:ext cx="6438600" cy="356400"/>
           </a:xfrm>
           <a:prstGeom prst="rect">
             <a:avLst/>
@@ -16379,7 +17061,7 @@
         <p:spPr>
           <a:xfrm>
             <a:off x="2340000" y="1440000"/>
-            <a:ext cx="5758200" cy="5391720"/>
+            <a:ext cx="5757480" cy="5391000"/>
           </a:xfrm>
           <a:prstGeom prst="rect">
             <a:avLst/>
@@ -16433,7 +17115,7 @@
         <p:spPr>
           <a:xfrm>
             <a:off x="5245200" y="1056600"/>
-            <a:ext cx="4327920" cy="3168360"/>
+            <a:ext cx="4327200" cy="3167640"/>
           </a:xfrm>
           <a:prstGeom prst="rect">
             <a:avLst/>
@@ -16452,7 +17134,7 @@
         <p:spPr>
           <a:xfrm>
             <a:off x="360000" y="360000"/>
-            <a:ext cx="9352080" cy="892080"/>
+            <a:ext cx="9351360" cy="891360"/>
           </a:xfrm>
           <a:prstGeom prst="rect">
             <a:avLst/>
@@ -16504,7 +17186,7 @@
         <p:spPr>
           <a:xfrm>
             <a:off x="360000" y="1980000"/>
-            <a:ext cx="4726440" cy="4672080"/>
+            <a:ext cx="4725720" cy="4671360"/>
           </a:xfrm>
           <a:prstGeom prst="rect">
             <a:avLst/>
@@ -16751,7 +17433,7 @@
         <p:spPr>
           <a:xfrm>
             <a:off x="7608600" y="6886080"/>
-            <a:ext cx="2277360" cy="357120"/>
+            <a:ext cx="2276640" cy="356400"/>
           </a:xfrm>
           <a:prstGeom prst="rect">
             <a:avLst/>
@@ -16814,7 +17496,7 @@
         <p:spPr>
           <a:xfrm>
             <a:off x="897120" y="6886080"/>
-            <a:ext cx="6439320" cy="357120"/>
+            <a:ext cx="6438600" cy="356400"/>
           </a:xfrm>
           <a:prstGeom prst="rect">
             <a:avLst/>
@@ -16866,7 +17548,7 @@
         <p:spPr>
           <a:xfrm>
             <a:off x="5287680" y="1141920"/>
-            <a:ext cx="373320" cy="3051000"/>
+            <a:ext cx="372600" cy="3050280"/>
           </a:xfrm>
           <a:prstGeom prst="rect">
             <a:avLst/>
@@ -17008,7 +17690,7 @@
         <p:spPr>
           <a:xfrm>
             <a:off x="5683680" y="1141920"/>
-            <a:ext cx="373320" cy="3051000"/>
+            <a:ext cx="372600" cy="3050280"/>
           </a:xfrm>
           <a:prstGeom prst="rect">
             <a:avLst/>
@@ -17108,7 +17790,7 @@
         <p:spPr>
           <a:xfrm>
             <a:off x="6079680" y="1141920"/>
-            <a:ext cx="373320" cy="3051000"/>
+            <a:ext cx="372600" cy="3050280"/>
           </a:xfrm>
           <a:prstGeom prst="rect">
             <a:avLst/>
@@ -17208,7 +17890,7 @@
         <p:spPr>
           <a:xfrm>
             <a:off x="6475680" y="1141920"/>
-            <a:ext cx="373320" cy="3051000"/>
+            <a:ext cx="372600" cy="3050280"/>
           </a:xfrm>
           <a:prstGeom prst="rect">
             <a:avLst/>
@@ -17308,7 +17990,7 @@
         <p:spPr>
           <a:xfrm>
             <a:off x="6871680" y="1141920"/>
-            <a:ext cx="373320" cy="3051000"/>
+            <a:ext cx="372600" cy="3050280"/>
           </a:xfrm>
           <a:prstGeom prst="rect">
             <a:avLst/>
@@ -17366,7 +18048,7 @@
         <p:spPr>
           <a:xfrm>
             <a:off x="7270920" y="1154880"/>
-            <a:ext cx="373320" cy="3051000"/>
+            <a:ext cx="372600" cy="3050280"/>
           </a:xfrm>
           <a:prstGeom prst="rect">
             <a:avLst/>
@@ -17508,7 +18190,7 @@
         <p:spPr>
           <a:xfrm>
             <a:off x="7666920" y="1154880"/>
-            <a:ext cx="373320" cy="3051000"/>
+            <a:ext cx="372600" cy="3050280"/>
           </a:xfrm>
           <a:prstGeom prst="rect">
             <a:avLst/>
@@ -17650,7 +18332,7 @@
         <p:spPr>
           <a:xfrm>
             <a:off x="8041320" y="1177920"/>
-            <a:ext cx="373320" cy="3051000"/>
+            <a:ext cx="372600" cy="3050280"/>
           </a:xfrm>
           <a:prstGeom prst="rect">
             <a:avLst/>
@@ -17750,7 +18432,7 @@
         <p:spPr>
           <a:xfrm>
             <a:off x="8437320" y="1177920"/>
-            <a:ext cx="373320" cy="3051000"/>
+            <a:ext cx="372600" cy="3050280"/>
           </a:xfrm>
           <a:prstGeom prst="rect">
             <a:avLst/>
@@ -17808,7 +18490,7 @@
         <p:spPr>
           <a:xfrm>
             <a:off x="8833320" y="1177920"/>
-            <a:ext cx="373320" cy="3051000"/>
+            <a:ext cx="372600" cy="3050280"/>
           </a:xfrm>
           <a:prstGeom prst="rect">
             <a:avLst/>
@@ -17866,7 +18548,7 @@
         <p:spPr>
           <a:xfrm>
             <a:off x="9229320" y="1177920"/>
-            <a:ext cx="373320" cy="3051000"/>
+            <a:ext cx="372600" cy="3050280"/>
           </a:xfrm>
           <a:prstGeom prst="rect">
             <a:avLst/>
@@ -17928,7 +18610,7 @@
         <p:spPr>
           <a:xfrm>
             <a:off x="3940560" y="4994640"/>
-            <a:ext cx="5628960" cy="1202400"/>
+            <a:ext cx="5628240" cy="1201680"/>
           </a:xfrm>
           <a:prstGeom prst="rect">
             <a:avLst/>
@@ -17977,7 +18659,7 @@
         <p:spPr>
           <a:xfrm>
             <a:off x="360000" y="3330000"/>
-            <a:ext cx="9352080" cy="892080"/>
+            <a:ext cx="9351360" cy="891360"/>
           </a:xfrm>
           <a:prstGeom prst="rect">
             <a:avLst/>
@@ -18059,7 +18741,7 @@
         <p:spPr>
           <a:xfrm>
             <a:off x="360000" y="360000"/>
-            <a:ext cx="9352080" cy="892080"/>
+            <a:ext cx="9351360" cy="891360"/>
           </a:xfrm>
           <a:prstGeom prst="rect">
             <a:avLst/>
@@ -18111,7 +18793,7 @@
         <p:spPr>
           <a:xfrm>
             <a:off x="360000" y="1620000"/>
-            <a:ext cx="9306360" cy="4672080"/>
+            <a:ext cx="9305640" cy="4671360"/>
           </a:xfrm>
           <a:prstGeom prst="rect">
             <a:avLst/>
@@ -18184,7 +18866,7 @@
         <p:spPr>
           <a:xfrm>
             <a:off x="7608600" y="6886080"/>
-            <a:ext cx="2277360" cy="357120"/>
+            <a:ext cx="2276640" cy="356400"/>
           </a:xfrm>
           <a:prstGeom prst="rect">
             <a:avLst/>
@@ -18247,7 +18929,7 @@
         <p:spPr>
           <a:xfrm>
             <a:off x="897120" y="6886080"/>
-            <a:ext cx="6439320" cy="357120"/>
+            <a:ext cx="6438600" cy="356400"/>
           </a:xfrm>
           <a:prstGeom prst="rect">
             <a:avLst/>
@@ -18299,7 +18981,7 @@
         <p:spPr>
           <a:xfrm>
             <a:off x="360000" y="1764000"/>
-            <a:ext cx="9306360" cy="4672080"/>
+            <a:ext cx="9305640" cy="4671360"/>
           </a:xfrm>
           <a:prstGeom prst="rect">
             <a:avLst/>
@@ -18577,7 +19259,7 @@
         <p:spPr>
           <a:xfrm>
             <a:off x="1200600" y="2509200"/>
-            <a:ext cx="7589160" cy="4260600"/>
+            <a:ext cx="7588440" cy="4259880"/>
           </a:xfrm>
           <a:prstGeom prst="rect">
             <a:avLst/>
@@ -18626,7 +19308,7 @@
         <p:spPr>
           <a:xfrm>
             <a:off x="360000" y="360000"/>
-            <a:ext cx="9352080" cy="892080"/>
+            <a:ext cx="9351360" cy="891360"/>
           </a:xfrm>
           <a:prstGeom prst="rect">
             <a:avLst/>
@@ -18678,7 +19360,7 @@
         <p:spPr>
           <a:xfrm>
             <a:off x="360000" y="1620000"/>
-            <a:ext cx="9306360" cy="4672080"/>
+            <a:ext cx="9305640" cy="4671360"/>
           </a:xfrm>
           <a:prstGeom prst="rect">
             <a:avLst/>
@@ -18751,7 +19433,7 @@
         <p:spPr>
           <a:xfrm>
             <a:off x="7608600" y="6886080"/>
-            <a:ext cx="2277360" cy="357120"/>
+            <a:ext cx="2276640" cy="356400"/>
           </a:xfrm>
           <a:prstGeom prst="rect">
             <a:avLst/>
@@ -18814,7 +19496,7 @@
         <p:spPr>
           <a:xfrm>
             <a:off x="897120" y="6886080"/>
-            <a:ext cx="6439320" cy="357120"/>
+            <a:ext cx="6438600" cy="356400"/>
           </a:xfrm>
           <a:prstGeom prst="rect">
             <a:avLst/>
@@ -18866,7 +19548,7 @@
         <p:spPr>
           <a:xfrm>
             <a:off x="360000" y="1764000"/>
-            <a:ext cx="9306360" cy="4672080"/>
+            <a:ext cx="9305640" cy="4671360"/>
           </a:xfrm>
           <a:prstGeom prst="rect">
             <a:avLst/>
@@ -19315,7 +19997,7 @@
         <p:spPr>
           <a:xfrm>
             <a:off x="2700000" y="4673520"/>
-            <a:ext cx="5314320" cy="1618560"/>
+            <a:ext cx="5313600" cy="1617840"/>
           </a:xfrm>
           <a:prstGeom prst="rect">
             <a:avLst/>
